--- a/Documentation/Blood Findr (SYSADD2 presentation).pptx
+++ b/Documentation/Blood Findr (SYSADD2 presentation).pptx
@@ -22,10 +22,12 @@
     <p:sldId id="271" r:id="rId16"/>
     <p:sldId id="276" r:id="rId17"/>
     <p:sldId id="277" r:id="rId18"/>
-    <p:sldId id="278" r:id="rId19"/>
-    <p:sldId id="272" r:id="rId20"/>
-    <p:sldId id="273" r:id="rId21"/>
-    <p:sldId id="275" r:id="rId22"/>
+    <p:sldId id="279" r:id="rId19"/>
+    <p:sldId id="280" r:id="rId20"/>
+    <p:sldId id="278" r:id="rId21"/>
+    <p:sldId id="272" r:id="rId22"/>
+    <p:sldId id="273" r:id="rId23"/>
+    <p:sldId id="275" r:id="rId24"/>
   </p:sldIdLst>
   <p:sldSz cx="12192000" cy="6858000"/>
   <p:notesSz cx="6858000" cy="9144000"/>
@@ -124,6 +126,11 @@
       </a:defRPr>
     </a:lvl9pPr>
   </p:defaultTextStyle>
+  <p:extLst>
+    <p:ext uri="{EFAFB233-063F-42B5-8137-9DF3F51BA10A}">
+      <p15:sldGuideLst xmlns:p15="http://schemas.microsoft.com/office/powerpoint/2012/main"/>
+    </p:ext>
+  </p:extLst>
 </p:presentation>
 </file>
 
@@ -8633,43 +8640,60 @@
             <p:ph type="title"/>
           </p:nvPr>
         </p:nvSpPr>
-        <p:spPr/>
-        <p:txBody>
-          <a:bodyPr/>
+        <p:spPr>
+          <a:xfrm>
+            <a:off x="299321" y="0"/>
+            <a:ext cx="4386979" cy="806758"/>
+          </a:xfrm>
+        </p:spPr>
+        <p:txBody>
+          <a:bodyPr>
+            <a:normAutofit/>
+          </a:bodyPr>
           <a:lstStyle/>
           <a:p>
             <a:r>
-              <a:rPr lang="en-PH" dirty="0"/>
+              <a:rPr lang="en-PH" sz="4400" dirty="0"/>
               <a:t>Data Dictionary:</a:t>
             </a:r>
           </a:p>
         </p:txBody>
       </p:sp>
-      <p:sp>
-        <p:nvSpPr>
-          <p:cNvPr id="3" name="Content Placeholder 2">
+      <p:pic>
+        <p:nvPicPr>
+          <p:cNvPr id="5" name="Content Placeholder 4">
             <a:extLst>
               <a:ext uri="{FF2B5EF4-FFF2-40B4-BE49-F238E27FC236}">
-                <a16:creationId xmlns:a16="http://schemas.microsoft.com/office/drawing/2014/main" id="{C81FC523-629C-4F6F-9389-DA677B53C25A}"/>
+                <a16:creationId xmlns:a16="http://schemas.microsoft.com/office/drawing/2014/main" id="{12702142-15DD-40F5-9CF5-A8777B76B7F1}"/>
               </a:ext>
             </a:extLst>
           </p:cNvPr>
-          <p:cNvSpPr>
-            <a:spLocks noGrp="1"/>
-          </p:cNvSpPr>
+          <p:cNvPicPr>
+            <a:picLocks noGrp="1" noChangeAspect="1"/>
+          </p:cNvPicPr>
           <p:nvPr>
             <p:ph idx="1"/>
           </p:nvPr>
-        </p:nvSpPr>
-        <p:spPr/>
-        <p:txBody>
-          <a:bodyPr/>
-          <a:lstStyle/>
-          <a:p>
-            <a:endParaRPr lang="en-PH"/>
-          </a:p>
-        </p:txBody>
-      </p:sp>
+        </p:nvPicPr>
+        <p:blipFill>
+          <a:blip r:embed="rId2">
+            <a:extLst>
+              <a:ext uri="{28A0092B-C50C-407E-A947-70E740481C1C}">
+                <a14:useLocalDpi xmlns:a14="http://schemas.microsoft.com/office/drawing/2010/main" val="0"/>
+              </a:ext>
+            </a:extLst>
+          </a:blip>
+          <a:stretch>
+            <a:fillRect/>
+          </a:stretch>
+        </p:blipFill>
+        <p:spPr>
+          <a:xfrm>
+            <a:off x="1416058" y="806758"/>
+            <a:ext cx="9678662" cy="5895106"/>
+          </a:xfrm>
+        </p:spPr>
+      </p:pic>
     </p:spTree>
     <p:extLst>
       <p:ext uri="{BB962C8B-B14F-4D97-AF65-F5344CB8AC3E}">
@@ -8705,7 +8729,7 @@
           <p:cNvPr id="2" name="Title 1">
             <a:extLst>
               <a:ext uri="{FF2B5EF4-FFF2-40B4-BE49-F238E27FC236}">
-                <a16:creationId xmlns:a16="http://schemas.microsoft.com/office/drawing/2014/main" id="{628102B7-24FD-49C4-996D-8C9AD8DF0752}"/>
+                <a16:creationId xmlns:a16="http://schemas.microsoft.com/office/drawing/2014/main" id="{EF1DFA29-92D4-46D3-9F9B-6FC6A8635942}"/>
               </a:ext>
             </a:extLst>
           </p:cNvPr>
@@ -8716,47 +8740,62 @@
             <p:ph type="title"/>
           </p:nvPr>
         </p:nvSpPr>
-        <p:spPr/>
+        <p:spPr>
+          <a:xfrm>
+            <a:off x="289796" y="0"/>
+            <a:ext cx="5187079" cy="866022"/>
+          </a:xfrm>
+        </p:spPr>
         <p:txBody>
           <a:bodyPr/>
           <a:lstStyle/>
           <a:p>
             <a:r>
               <a:rPr lang="en-PH" dirty="0"/>
-              <a:t>Class Diagram:</a:t>
-            </a:r>
-          </a:p>
-        </p:txBody>
-      </p:sp>
-      <p:sp>
-        <p:nvSpPr>
-          <p:cNvPr id="3" name="Content Placeholder 2">
+              <a:t>Data Dictionary (cont.):</a:t>
+            </a:r>
+          </a:p>
+        </p:txBody>
+      </p:sp>
+      <p:pic>
+        <p:nvPicPr>
+          <p:cNvPr id="7" name="Content Placeholder 6">
             <a:extLst>
               <a:ext uri="{FF2B5EF4-FFF2-40B4-BE49-F238E27FC236}">
-                <a16:creationId xmlns:a16="http://schemas.microsoft.com/office/drawing/2014/main" id="{40BCDABE-88E2-4916-A429-95D942FCDB88}"/>
+                <a16:creationId xmlns:a16="http://schemas.microsoft.com/office/drawing/2014/main" id="{39F0A09D-6440-44D4-A499-CF9797570E58}"/>
               </a:ext>
             </a:extLst>
           </p:cNvPr>
-          <p:cNvSpPr>
-            <a:spLocks noGrp="1"/>
-          </p:cNvSpPr>
+          <p:cNvPicPr>
+            <a:picLocks noGrp="1" noChangeAspect="1"/>
+          </p:cNvPicPr>
           <p:nvPr>
             <p:ph idx="1"/>
           </p:nvPr>
-        </p:nvSpPr>
-        <p:spPr/>
-        <p:txBody>
-          <a:bodyPr/>
-          <a:lstStyle/>
-          <a:p>
-            <a:endParaRPr lang="en-PH" dirty="0"/>
-          </a:p>
-        </p:txBody>
-      </p:sp>
+        </p:nvPicPr>
+        <p:blipFill>
+          <a:blip r:embed="rId2">
+            <a:extLst>
+              <a:ext uri="{28A0092B-C50C-407E-A947-70E740481C1C}">
+                <a14:useLocalDpi xmlns:a14="http://schemas.microsoft.com/office/drawing/2010/main" val="0"/>
+              </a:ext>
+            </a:extLst>
+          </a:blip>
+          <a:stretch>
+            <a:fillRect/>
+          </a:stretch>
+        </p:blipFill>
+        <p:spPr>
+          <a:xfrm>
+            <a:off x="1397848" y="690880"/>
+            <a:ext cx="9564792" cy="6089016"/>
+          </a:xfrm>
+        </p:spPr>
+      </p:pic>
     </p:spTree>
     <p:extLst>
       <p:ext uri="{BB962C8B-B14F-4D97-AF65-F5344CB8AC3E}">
-        <p14:creationId xmlns:p14="http://schemas.microsoft.com/office/powerpoint/2010/main" val="4176302167"/>
+        <p14:creationId xmlns:p14="http://schemas.microsoft.com/office/powerpoint/2010/main" val="2810483346"/>
       </p:ext>
     </p:extLst>
   </p:cSld>
@@ -8788,7 +8827,7 @@
           <p:cNvPr id="2" name="Title 1">
             <a:extLst>
               <a:ext uri="{FF2B5EF4-FFF2-40B4-BE49-F238E27FC236}">
-                <a16:creationId xmlns:a16="http://schemas.microsoft.com/office/drawing/2014/main" id="{C9FDF1D2-D26B-4DEC-BA15-EC87BA499030}"/>
+                <a16:creationId xmlns:a16="http://schemas.microsoft.com/office/drawing/2014/main" id="{EF1DFA29-92D4-46D3-9F9B-6FC6A8635942}"/>
               </a:ext>
             </a:extLst>
           </p:cNvPr>
@@ -8801,8 +8840,8 @@
         </p:nvSpPr>
         <p:spPr>
           <a:xfrm>
-            <a:off x="291327" y="682116"/>
-            <a:ext cx="2961640" cy="1372235"/>
+            <a:off x="289796" y="0"/>
+            <a:ext cx="5187079" cy="866022"/>
           </a:xfrm>
         </p:spPr>
         <p:txBody>
@@ -8811,7 +8850,7 @@
           <a:p>
             <a:r>
               <a:rPr lang="en-PH" dirty="0"/>
-              <a:t>Sequence Diagram:</a:t>
+              <a:t>Data Dictionary (cont.):</a:t>
             </a:r>
           </a:p>
         </p:txBody>
@@ -8821,7 +8860,7 @@
           <p:cNvPr id="5" name="Content Placeholder 4">
             <a:extLst>
               <a:ext uri="{FF2B5EF4-FFF2-40B4-BE49-F238E27FC236}">
-                <a16:creationId xmlns:a16="http://schemas.microsoft.com/office/drawing/2014/main" id="{4181FB1A-ABBC-4C21-85BF-8DD8C2BBB1DB}"/>
+                <a16:creationId xmlns:a16="http://schemas.microsoft.com/office/drawing/2014/main" id="{B2D57CD9-7BAD-48AD-977F-5FEDBD6F1764}"/>
               </a:ext>
             </a:extLst>
           </p:cNvPr>
@@ -8846,15 +8885,15 @@
         </p:blipFill>
         <p:spPr>
           <a:xfrm>
-            <a:off x="3180080" y="476409"/>
-            <a:ext cx="8400415" cy="5600277"/>
+            <a:off x="713874" y="970664"/>
+            <a:ext cx="10919326" cy="5479058"/>
           </a:xfrm>
         </p:spPr>
       </p:pic>
     </p:spTree>
     <p:extLst>
       <p:ext uri="{BB962C8B-B14F-4D97-AF65-F5344CB8AC3E}">
-        <p14:creationId xmlns:p14="http://schemas.microsoft.com/office/powerpoint/2010/main" val="2018646259"/>
+        <p14:creationId xmlns:p14="http://schemas.microsoft.com/office/powerpoint/2010/main" val="3584870947"/>
       </p:ext>
     </p:extLst>
   </p:cSld>
@@ -8984,6 +9023,187 @@
           <p:cNvPr id="2" name="Title 1">
             <a:extLst>
               <a:ext uri="{FF2B5EF4-FFF2-40B4-BE49-F238E27FC236}">
+                <a16:creationId xmlns:a16="http://schemas.microsoft.com/office/drawing/2014/main" id="{628102B7-24FD-49C4-996D-8C9AD8DF0752}"/>
+              </a:ext>
+            </a:extLst>
+          </p:cNvPr>
+          <p:cNvSpPr>
+            <a:spLocks noGrp="1"/>
+          </p:cNvSpPr>
+          <p:nvPr>
+            <p:ph type="title"/>
+          </p:nvPr>
+        </p:nvSpPr>
+        <p:spPr/>
+        <p:txBody>
+          <a:bodyPr/>
+          <a:lstStyle/>
+          <a:p>
+            <a:r>
+              <a:rPr lang="en-PH" dirty="0"/>
+              <a:t>Class Diagram:</a:t>
+            </a:r>
+          </a:p>
+        </p:txBody>
+      </p:sp>
+      <p:sp>
+        <p:nvSpPr>
+          <p:cNvPr id="3" name="Content Placeholder 2">
+            <a:extLst>
+              <a:ext uri="{FF2B5EF4-FFF2-40B4-BE49-F238E27FC236}">
+                <a16:creationId xmlns:a16="http://schemas.microsoft.com/office/drawing/2014/main" id="{40BCDABE-88E2-4916-A429-95D942FCDB88}"/>
+              </a:ext>
+            </a:extLst>
+          </p:cNvPr>
+          <p:cNvSpPr>
+            <a:spLocks noGrp="1"/>
+          </p:cNvSpPr>
+          <p:nvPr>
+            <p:ph idx="1"/>
+          </p:nvPr>
+        </p:nvSpPr>
+        <p:spPr/>
+        <p:txBody>
+          <a:bodyPr/>
+          <a:lstStyle/>
+          <a:p>
+            <a:endParaRPr lang="en-PH" dirty="0"/>
+          </a:p>
+        </p:txBody>
+      </p:sp>
+    </p:spTree>
+    <p:extLst>
+      <p:ext uri="{BB962C8B-B14F-4D97-AF65-F5344CB8AC3E}">
+        <p14:creationId xmlns:p14="http://schemas.microsoft.com/office/powerpoint/2010/main" val="4176302167"/>
+      </p:ext>
+    </p:extLst>
+  </p:cSld>
+  <p:clrMapOvr>
+    <a:masterClrMapping/>
+  </p:clrMapOvr>
+</p:sld>
+</file>
+
+<file path=ppt/slides/slide21.xml><?xml version="1.0" encoding="utf-8"?>
+<p:sld xmlns:a="http://schemas.openxmlformats.org/drawingml/2006/main" xmlns:r="http://schemas.openxmlformats.org/officeDocument/2006/relationships" xmlns:p="http://schemas.openxmlformats.org/presentationml/2006/main">
+  <p:cSld>
+    <p:spTree>
+      <p:nvGrpSpPr>
+        <p:cNvPr id="1" name=""/>
+        <p:cNvGrpSpPr/>
+        <p:nvPr/>
+      </p:nvGrpSpPr>
+      <p:grpSpPr>
+        <a:xfrm>
+          <a:off x="0" y="0"/>
+          <a:ext cx="0" cy="0"/>
+          <a:chOff x="0" y="0"/>
+          <a:chExt cx="0" cy="0"/>
+        </a:xfrm>
+      </p:grpSpPr>
+      <p:sp>
+        <p:nvSpPr>
+          <p:cNvPr id="2" name="Title 1">
+            <a:extLst>
+              <a:ext uri="{FF2B5EF4-FFF2-40B4-BE49-F238E27FC236}">
+                <a16:creationId xmlns:a16="http://schemas.microsoft.com/office/drawing/2014/main" id="{C9FDF1D2-D26B-4DEC-BA15-EC87BA499030}"/>
+              </a:ext>
+            </a:extLst>
+          </p:cNvPr>
+          <p:cNvSpPr>
+            <a:spLocks noGrp="1"/>
+          </p:cNvSpPr>
+          <p:nvPr>
+            <p:ph type="title"/>
+          </p:nvPr>
+        </p:nvSpPr>
+        <p:spPr>
+          <a:xfrm>
+            <a:off x="291327" y="682116"/>
+            <a:ext cx="2961640" cy="1372235"/>
+          </a:xfrm>
+        </p:spPr>
+        <p:txBody>
+          <a:bodyPr/>
+          <a:lstStyle/>
+          <a:p>
+            <a:r>
+              <a:rPr lang="en-PH" dirty="0"/>
+              <a:t>Sequence Diagram:</a:t>
+            </a:r>
+          </a:p>
+        </p:txBody>
+      </p:sp>
+      <p:pic>
+        <p:nvPicPr>
+          <p:cNvPr id="5" name="Content Placeholder 4">
+            <a:extLst>
+              <a:ext uri="{FF2B5EF4-FFF2-40B4-BE49-F238E27FC236}">
+                <a16:creationId xmlns:a16="http://schemas.microsoft.com/office/drawing/2014/main" id="{4181FB1A-ABBC-4C21-85BF-8DD8C2BBB1DB}"/>
+              </a:ext>
+            </a:extLst>
+          </p:cNvPr>
+          <p:cNvPicPr>
+            <a:picLocks noGrp="1" noChangeAspect="1"/>
+          </p:cNvPicPr>
+          <p:nvPr>
+            <p:ph idx="1"/>
+          </p:nvPr>
+        </p:nvPicPr>
+        <p:blipFill>
+          <a:blip r:embed="rId2">
+            <a:extLst>
+              <a:ext uri="{28A0092B-C50C-407E-A947-70E740481C1C}">
+                <a14:useLocalDpi xmlns:a14="http://schemas.microsoft.com/office/drawing/2010/main" val="0"/>
+              </a:ext>
+            </a:extLst>
+          </a:blip>
+          <a:stretch>
+            <a:fillRect/>
+          </a:stretch>
+        </p:blipFill>
+        <p:spPr>
+          <a:xfrm>
+            <a:off x="3180080" y="476409"/>
+            <a:ext cx="8400415" cy="5600277"/>
+          </a:xfrm>
+        </p:spPr>
+      </p:pic>
+    </p:spTree>
+    <p:extLst>
+      <p:ext uri="{BB962C8B-B14F-4D97-AF65-F5344CB8AC3E}">
+        <p14:creationId xmlns:p14="http://schemas.microsoft.com/office/powerpoint/2010/main" val="2018646259"/>
+      </p:ext>
+    </p:extLst>
+  </p:cSld>
+  <p:clrMapOvr>
+    <a:masterClrMapping/>
+  </p:clrMapOvr>
+</p:sld>
+</file>
+
+<file path=ppt/slides/slide22.xml><?xml version="1.0" encoding="utf-8"?>
+<p:sld xmlns:a="http://schemas.openxmlformats.org/drawingml/2006/main" xmlns:r="http://schemas.openxmlformats.org/officeDocument/2006/relationships" xmlns:p="http://schemas.openxmlformats.org/presentationml/2006/main">
+  <p:cSld>
+    <p:spTree>
+      <p:nvGrpSpPr>
+        <p:cNvPr id="1" name=""/>
+        <p:cNvGrpSpPr/>
+        <p:nvPr/>
+      </p:nvGrpSpPr>
+      <p:grpSpPr>
+        <a:xfrm>
+          <a:off x="0" y="0"/>
+          <a:ext cx="0" cy="0"/>
+          <a:chOff x="0" y="0"/>
+          <a:chExt cx="0" cy="0"/>
+        </a:xfrm>
+      </p:grpSpPr>
+      <p:sp>
+        <p:nvSpPr>
+          <p:cNvPr id="2" name="Title 1">
+            <a:extLst>
+              <a:ext uri="{FF2B5EF4-FFF2-40B4-BE49-F238E27FC236}">
                 <a16:creationId xmlns:a16="http://schemas.microsoft.com/office/drawing/2014/main" id="{7DDDDBDE-F3E4-4E13-8AB8-60C663E61985}"/>
               </a:ext>
             </a:extLst>
@@ -9098,7 +9318,7 @@
 </p:sld>
 </file>
 
-<file path=ppt/slides/slide21.xml><?xml version="1.0" encoding="utf-8"?>
+<file path=ppt/slides/slide23.xml><?xml version="1.0" encoding="utf-8"?>
 <p:sld xmlns:a="http://schemas.openxmlformats.org/drawingml/2006/main" xmlns:r="http://schemas.openxmlformats.org/officeDocument/2006/relationships" xmlns:p="http://schemas.openxmlformats.org/presentationml/2006/main">
   <p:cSld>
     <p:spTree>

--- a/Documentation/Blood Findr (SYSADD2 presentation).pptx
+++ b/Documentation/Blood Findr (SYSADD2 presentation).pptx
@@ -6,28 +6,30 @@
   </p:sldMasterIdLst>
   <p:sldIdLst>
     <p:sldId id="256" r:id="rId2"/>
-    <p:sldId id="257" r:id="rId3"/>
-    <p:sldId id="259" r:id="rId4"/>
-    <p:sldId id="258" r:id="rId5"/>
-    <p:sldId id="260" r:id="rId6"/>
-    <p:sldId id="262" r:id="rId7"/>
-    <p:sldId id="263" r:id="rId8"/>
-    <p:sldId id="264" r:id="rId9"/>
-    <p:sldId id="265" r:id="rId10"/>
-    <p:sldId id="266" r:id="rId11"/>
-    <p:sldId id="267" r:id="rId12"/>
-    <p:sldId id="268" r:id="rId13"/>
-    <p:sldId id="269" r:id="rId14"/>
-    <p:sldId id="270" r:id="rId15"/>
-    <p:sldId id="271" r:id="rId16"/>
-    <p:sldId id="276" r:id="rId17"/>
-    <p:sldId id="277" r:id="rId18"/>
-    <p:sldId id="279" r:id="rId19"/>
-    <p:sldId id="280" r:id="rId20"/>
-    <p:sldId id="278" r:id="rId21"/>
-    <p:sldId id="272" r:id="rId22"/>
-    <p:sldId id="273" r:id="rId23"/>
-    <p:sldId id="275" r:id="rId24"/>
+    <p:sldId id="282" r:id="rId3"/>
+    <p:sldId id="257" r:id="rId4"/>
+    <p:sldId id="259" r:id="rId5"/>
+    <p:sldId id="258" r:id="rId6"/>
+    <p:sldId id="260" r:id="rId7"/>
+    <p:sldId id="262" r:id="rId8"/>
+    <p:sldId id="263" r:id="rId9"/>
+    <p:sldId id="264" r:id="rId10"/>
+    <p:sldId id="265" r:id="rId11"/>
+    <p:sldId id="266" r:id="rId12"/>
+    <p:sldId id="267" r:id="rId13"/>
+    <p:sldId id="268" r:id="rId14"/>
+    <p:sldId id="269" r:id="rId15"/>
+    <p:sldId id="270" r:id="rId16"/>
+    <p:sldId id="271" r:id="rId17"/>
+    <p:sldId id="276" r:id="rId18"/>
+    <p:sldId id="277" r:id="rId19"/>
+    <p:sldId id="279" r:id="rId20"/>
+    <p:sldId id="280" r:id="rId21"/>
+    <p:sldId id="278" r:id="rId22"/>
+    <p:sldId id="272" r:id="rId23"/>
+    <p:sldId id="273" r:id="rId24"/>
+    <p:sldId id="275" r:id="rId25"/>
+    <p:sldId id="281" r:id="rId26"/>
   </p:sldIdLst>
   <p:sldSz cx="12192000" cy="6858000"/>
   <p:notesSz cx="6858000" cy="9144000"/>
@@ -408,7 +410,7 @@
           <a:p>
             <a:fld id="{D37EA96B-39E1-482F-84DF-13B0DA1B5D45}" type="datetimeFigureOut">
               <a:rPr lang="en-PH" smtClean="0"/>
-              <a:t>24/10/2018</a:t>
+              <a:t>25/10/2018</a:t>
             </a:fld>
             <a:endParaRPr lang="en-PH"/>
           </a:p>
@@ -822,7 +824,7 @@
           <a:p>
             <a:fld id="{D37EA96B-39E1-482F-84DF-13B0DA1B5D45}" type="datetimeFigureOut">
               <a:rPr lang="en-PH" smtClean="0"/>
-              <a:t>24/10/2018</a:t>
+              <a:t>25/10/2018</a:t>
             </a:fld>
             <a:endParaRPr lang="en-PH"/>
           </a:p>
@@ -1158,7 +1160,7 @@
           <a:p>
             <a:fld id="{D37EA96B-39E1-482F-84DF-13B0DA1B5D45}" type="datetimeFigureOut">
               <a:rPr lang="en-PH" smtClean="0"/>
-              <a:t>24/10/2018</a:t>
+              <a:t>25/10/2018</a:t>
             </a:fld>
             <a:endParaRPr lang="en-PH"/>
           </a:p>
@@ -1563,7 +1565,7 @@
           <a:p>
             <a:fld id="{D37EA96B-39E1-482F-84DF-13B0DA1B5D45}" type="datetimeFigureOut">
               <a:rPr lang="en-PH" smtClean="0"/>
-              <a:t>24/10/2018</a:t>
+              <a:t>25/10/2018</a:t>
             </a:fld>
             <a:endParaRPr lang="en-PH"/>
           </a:p>
@@ -2131,7 +2133,7 @@
           <a:p>
             <a:fld id="{D37EA96B-39E1-482F-84DF-13B0DA1B5D45}" type="datetimeFigureOut">
               <a:rPr lang="en-PH" smtClean="0"/>
-              <a:t>24/10/2018</a:t>
+              <a:t>25/10/2018</a:t>
             </a:fld>
             <a:endParaRPr lang="en-PH"/>
           </a:p>
@@ -2812,7 +2814,7 @@
           <a:p>
             <a:fld id="{D37EA96B-39E1-482F-84DF-13B0DA1B5D45}" type="datetimeFigureOut">
               <a:rPr lang="en-PH" smtClean="0"/>
-              <a:t>24/10/2018</a:t>
+              <a:t>25/10/2018</a:t>
             </a:fld>
             <a:endParaRPr lang="en-PH"/>
           </a:p>
@@ -3725,7 +3727,7 @@
           <a:p>
             <a:fld id="{D37EA96B-39E1-482F-84DF-13B0DA1B5D45}" type="datetimeFigureOut">
               <a:rPr lang="en-PH" smtClean="0"/>
-              <a:t>24/10/2018</a:t>
+              <a:t>25/10/2018</a:t>
             </a:fld>
             <a:endParaRPr lang="en-PH"/>
           </a:p>
@@ -4038,7 +4040,7 @@
           <a:p>
             <a:fld id="{D37EA96B-39E1-482F-84DF-13B0DA1B5D45}" type="datetimeFigureOut">
               <a:rPr lang="en-PH" smtClean="0"/>
-              <a:t>24/10/2018</a:t>
+              <a:t>25/10/2018</a:t>
             </a:fld>
             <a:endParaRPr lang="en-PH"/>
           </a:p>
@@ -4302,7 +4304,7 @@
           <a:p>
             <a:fld id="{D37EA96B-39E1-482F-84DF-13B0DA1B5D45}" type="datetimeFigureOut">
               <a:rPr lang="en-PH" smtClean="0"/>
-              <a:t>24/10/2018</a:t>
+              <a:t>25/10/2018</a:t>
             </a:fld>
             <a:endParaRPr lang="en-PH"/>
           </a:p>
@@ -4625,7 +4627,7 @@
           <a:p>
             <a:fld id="{D37EA96B-39E1-482F-84DF-13B0DA1B5D45}" type="datetimeFigureOut">
               <a:rPr lang="en-PH" smtClean="0"/>
-              <a:t>24/10/2018</a:t>
+              <a:t>25/10/2018</a:t>
             </a:fld>
             <a:endParaRPr lang="en-PH"/>
           </a:p>
@@ -5014,7 +5016,7 @@
           <a:p>
             <a:fld id="{D37EA96B-39E1-482F-84DF-13B0DA1B5D45}" type="datetimeFigureOut">
               <a:rPr lang="en-PH" smtClean="0"/>
-              <a:t>24/10/2018</a:t>
+              <a:t>25/10/2018</a:t>
             </a:fld>
             <a:endParaRPr lang="en-PH"/>
           </a:p>
@@ -5390,7 +5392,7 @@
           <a:p>
             <a:fld id="{D37EA96B-39E1-482F-84DF-13B0DA1B5D45}" type="datetimeFigureOut">
               <a:rPr lang="en-PH" smtClean="0"/>
-              <a:t>24/10/2018</a:t>
+              <a:t>25/10/2018</a:t>
             </a:fld>
             <a:endParaRPr lang="en-PH"/>
           </a:p>
@@ -5896,7 +5898,7 @@
           <a:p>
             <a:fld id="{D37EA96B-39E1-482F-84DF-13B0DA1B5D45}" type="datetimeFigureOut">
               <a:rPr lang="en-PH" smtClean="0"/>
-              <a:t>24/10/2018</a:t>
+              <a:t>25/10/2018</a:t>
             </a:fld>
             <a:endParaRPr lang="en-PH"/>
           </a:p>
@@ -6153,7 +6155,7 @@
           <a:p>
             <a:fld id="{D37EA96B-39E1-482F-84DF-13B0DA1B5D45}" type="datetimeFigureOut">
               <a:rPr lang="en-PH" smtClean="0"/>
-              <a:t>24/10/2018</a:t>
+              <a:t>25/10/2018</a:t>
             </a:fld>
             <a:endParaRPr lang="en-PH"/>
           </a:p>
@@ -6316,7 +6318,7 @@
           <a:p>
             <a:fld id="{D37EA96B-39E1-482F-84DF-13B0DA1B5D45}" type="datetimeFigureOut">
               <a:rPr lang="en-PH" smtClean="0"/>
-              <a:t>24/10/2018</a:t>
+              <a:t>25/10/2018</a:t>
             </a:fld>
             <a:endParaRPr lang="en-PH"/>
           </a:p>
@@ -6706,7 +6708,7 @@
           <a:p>
             <a:fld id="{D37EA96B-39E1-482F-84DF-13B0DA1B5D45}" type="datetimeFigureOut">
               <a:rPr lang="en-PH" smtClean="0"/>
-              <a:t>24/10/2018</a:t>
+              <a:t>25/10/2018</a:t>
             </a:fld>
             <a:endParaRPr lang="en-PH"/>
           </a:p>
@@ -7115,7 +7117,7 @@
           <a:p>
             <a:fld id="{D37EA96B-39E1-482F-84DF-13B0DA1B5D45}" type="datetimeFigureOut">
               <a:rPr lang="en-PH" smtClean="0"/>
-              <a:t>24/10/2018</a:t>
+              <a:t>25/10/2018</a:t>
             </a:fld>
             <a:endParaRPr lang="en-PH"/>
           </a:p>
@@ -7359,7 +7361,7 @@
           <a:p>
             <a:fld id="{D37EA96B-39E1-482F-84DF-13B0DA1B5D45}" type="datetimeFigureOut">
               <a:rPr lang="en-PH" smtClean="0"/>
-              <a:t>24/10/2018</a:t>
+              <a:t>25/10/2018</a:t>
             </a:fld>
             <a:endParaRPr lang="en-PH"/>
           </a:p>
@@ -7926,10 +7928,10 @@
       </p:sp>
       <p:pic>
         <p:nvPicPr>
-          <p:cNvPr id="6" name="Content Placeholder 5">
+          <p:cNvPr id="7" name="Content Placeholder 6">
             <a:extLst>
               <a:ext uri="{FF2B5EF4-FFF2-40B4-BE49-F238E27FC236}">
-                <a16:creationId xmlns:a16="http://schemas.microsoft.com/office/drawing/2014/main" id="{CD285F73-2ABA-4A86-8255-DC7FC99D2F96}"/>
+                <a16:creationId xmlns:a16="http://schemas.microsoft.com/office/drawing/2014/main" id="{46BBDB77-46C4-436E-A39C-D11DD117639D}"/>
               </a:ext>
             </a:extLst>
           </p:cNvPr>
@@ -7954,15 +7956,15 @@
         </p:blipFill>
         <p:spPr>
           <a:xfrm>
-            <a:off x="1187931" y="1630566"/>
-            <a:ext cx="8963602" cy="5058100"/>
+            <a:off x="1184756" y="1653715"/>
+            <a:ext cx="8975244" cy="5059293"/>
           </a:xfrm>
         </p:spPr>
       </p:pic>
     </p:spTree>
     <p:extLst>
       <p:ext uri="{BB962C8B-B14F-4D97-AF65-F5344CB8AC3E}">
-        <p14:creationId xmlns:p14="http://schemas.microsoft.com/office/powerpoint/2010/main" val="697657672"/>
+        <p14:creationId xmlns:p14="http://schemas.microsoft.com/office/powerpoint/2010/main" val="3651701538"/>
       </p:ext>
     </p:extLst>
   </p:cSld>
@@ -8005,12 +8007,7 @@
             <p:ph type="title"/>
           </p:nvPr>
         </p:nvSpPr>
-        <p:spPr>
-          <a:xfrm>
-            <a:off x="671854" y="456894"/>
-            <a:ext cx="9613861" cy="1080938"/>
-          </a:xfrm>
-        </p:spPr>
+        <p:spPr/>
         <p:txBody>
           <a:bodyPr/>
           <a:lstStyle/>
@@ -8027,7 +8024,7 @@
           <p:cNvPr id="6" name="Content Placeholder 5">
             <a:extLst>
               <a:ext uri="{FF2B5EF4-FFF2-40B4-BE49-F238E27FC236}">
-                <a16:creationId xmlns:a16="http://schemas.microsoft.com/office/drawing/2014/main" id="{D884E314-15EE-4850-A9FA-55D9A3E927C9}"/>
+                <a16:creationId xmlns:a16="http://schemas.microsoft.com/office/drawing/2014/main" id="{CD285F73-2ABA-4A86-8255-DC7FC99D2F96}"/>
               </a:ext>
             </a:extLst>
           </p:cNvPr>
@@ -8052,15 +8049,15 @@
         </p:blipFill>
         <p:spPr>
           <a:xfrm>
-            <a:off x="1092200" y="1348802"/>
-            <a:ext cx="8620760" cy="5390263"/>
+            <a:off x="1187931" y="1630566"/>
+            <a:ext cx="8963602" cy="5058100"/>
           </a:xfrm>
         </p:spPr>
       </p:pic>
     </p:spTree>
     <p:extLst>
       <p:ext uri="{BB962C8B-B14F-4D97-AF65-F5344CB8AC3E}">
-        <p14:creationId xmlns:p14="http://schemas.microsoft.com/office/powerpoint/2010/main" val="3268041878"/>
+        <p14:creationId xmlns:p14="http://schemas.microsoft.com/office/powerpoint/2010/main" val="697657672"/>
       </p:ext>
     </p:extLst>
   </p:cSld>
@@ -8092,7 +8089,7 @@
           <p:cNvPr id="2" name="Title 1">
             <a:extLst>
               <a:ext uri="{FF2B5EF4-FFF2-40B4-BE49-F238E27FC236}">
-                <a16:creationId xmlns:a16="http://schemas.microsoft.com/office/drawing/2014/main" id="{6CA404E9-0319-4627-B057-86F3E67689BC}"/>
+                <a16:creationId xmlns:a16="http://schemas.microsoft.com/office/drawing/2014/main" id="{A048CDB6-363E-44A6-99F1-3A2EA99BCB69}"/>
               </a:ext>
             </a:extLst>
           </p:cNvPr>
@@ -8105,8 +8102,8 @@
         </p:nvSpPr>
         <p:spPr>
           <a:xfrm>
-            <a:off x="343596" y="414745"/>
-            <a:ext cx="2338645" cy="1503162"/>
+            <a:off x="671854" y="456894"/>
+            <a:ext cx="9613861" cy="1080938"/>
           </a:xfrm>
         </p:spPr>
         <p:txBody>
@@ -8115,24 +8112,17 @@
           <a:p>
             <a:r>
               <a:rPr lang="en-PH" dirty="0"/>
-              <a:t>Object </a:t>
-            </a:r>
-            <a:br>
-              <a:rPr lang="en-PH" dirty="0"/>
-            </a:br>
-            <a:r>
-              <a:rPr lang="en-PH" dirty="0"/>
-              <a:t>Diagram:</a:t>
+              <a:t>Use Case Full Description (cont.):</a:t>
             </a:r>
           </a:p>
         </p:txBody>
       </p:sp>
       <p:pic>
         <p:nvPicPr>
-          <p:cNvPr id="5" name="Content Placeholder 4">
+          <p:cNvPr id="6" name="Content Placeholder 5">
             <a:extLst>
               <a:ext uri="{FF2B5EF4-FFF2-40B4-BE49-F238E27FC236}">
-                <a16:creationId xmlns:a16="http://schemas.microsoft.com/office/drawing/2014/main" id="{5E713B89-9A53-409D-B9CB-A17DB74F89FC}"/>
+                <a16:creationId xmlns:a16="http://schemas.microsoft.com/office/drawing/2014/main" id="{D884E314-15EE-4850-A9FA-55D9A3E927C9}"/>
               </a:ext>
             </a:extLst>
           </p:cNvPr>
@@ -8157,15 +8147,15 @@
         </p:blipFill>
         <p:spPr>
           <a:xfrm>
-            <a:off x="2682241" y="414745"/>
-            <a:ext cx="8718204" cy="6028510"/>
+            <a:off x="1092200" y="1348802"/>
+            <a:ext cx="8620760" cy="5390263"/>
           </a:xfrm>
         </p:spPr>
       </p:pic>
     </p:spTree>
     <p:extLst>
       <p:ext uri="{BB962C8B-B14F-4D97-AF65-F5344CB8AC3E}">
-        <p14:creationId xmlns:p14="http://schemas.microsoft.com/office/powerpoint/2010/main" val="2249776953"/>
+        <p14:creationId xmlns:p14="http://schemas.microsoft.com/office/powerpoint/2010/main" val="3268041878"/>
       </p:ext>
     </p:extLst>
   </p:cSld>
@@ -8192,12 +8182,52 @@
           <a:chExt cx="0" cy="0"/>
         </a:xfrm>
       </p:grpSpPr>
+      <p:sp>
+        <p:nvSpPr>
+          <p:cNvPr id="2" name="Title 1">
+            <a:extLst>
+              <a:ext uri="{FF2B5EF4-FFF2-40B4-BE49-F238E27FC236}">
+                <a16:creationId xmlns:a16="http://schemas.microsoft.com/office/drawing/2014/main" id="{6CA404E9-0319-4627-B057-86F3E67689BC}"/>
+              </a:ext>
+            </a:extLst>
+          </p:cNvPr>
+          <p:cNvSpPr>
+            <a:spLocks noGrp="1"/>
+          </p:cNvSpPr>
+          <p:nvPr>
+            <p:ph type="title"/>
+          </p:nvPr>
+        </p:nvSpPr>
+        <p:spPr>
+          <a:xfrm>
+            <a:off x="343596" y="414745"/>
+            <a:ext cx="2338645" cy="1503162"/>
+          </a:xfrm>
+        </p:spPr>
+        <p:txBody>
+          <a:bodyPr/>
+          <a:lstStyle/>
+          <a:p>
+            <a:r>
+              <a:rPr lang="en-PH" dirty="0"/>
+              <a:t>Object </a:t>
+            </a:r>
+            <a:br>
+              <a:rPr lang="en-PH" dirty="0"/>
+            </a:br>
+            <a:r>
+              <a:rPr lang="en-PH" dirty="0"/>
+              <a:t>Diagram:</a:t>
+            </a:r>
+          </a:p>
+        </p:txBody>
+      </p:sp>
       <p:pic>
         <p:nvPicPr>
           <p:cNvPr id="5" name="Content Placeholder 4">
             <a:extLst>
               <a:ext uri="{FF2B5EF4-FFF2-40B4-BE49-F238E27FC236}">
-                <a16:creationId xmlns:a16="http://schemas.microsoft.com/office/drawing/2014/main" id="{B5CFF526-76DF-4709-9806-574F0B7D1A57}"/>
+                <a16:creationId xmlns:a16="http://schemas.microsoft.com/office/drawing/2014/main" id="{5E713B89-9A53-409D-B9CB-A17DB74F89FC}"/>
               </a:ext>
             </a:extLst>
           </p:cNvPr>
@@ -8222,66 +8252,15 @@
         </p:blipFill>
         <p:spPr>
           <a:xfrm>
-            <a:off x="497839" y="171018"/>
-            <a:ext cx="11226607" cy="6402501"/>
+            <a:off x="2682241" y="414745"/>
+            <a:ext cx="8718204" cy="6028510"/>
           </a:xfrm>
         </p:spPr>
       </p:pic>
-      <p:sp>
-        <p:nvSpPr>
-          <p:cNvPr id="9" name="TextBox 8">
-            <a:extLst>
-              <a:ext uri="{FF2B5EF4-FFF2-40B4-BE49-F238E27FC236}">
-                <a16:creationId xmlns:a16="http://schemas.microsoft.com/office/drawing/2014/main" id="{8E503FA6-F333-4BCB-BBAB-990E0CFD7D4E}"/>
-              </a:ext>
-            </a:extLst>
-          </p:cNvPr>
-          <p:cNvSpPr txBox="1"/>
-          <p:nvPr/>
-        </p:nvSpPr>
-        <p:spPr>
-          <a:xfrm>
-            <a:off x="707011" y="4204355"/>
-            <a:ext cx="3421930" cy="1446550"/>
-          </a:xfrm>
-          <a:prstGeom prst="rect">
-            <a:avLst/>
-          </a:prstGeom>
-          <a:noFill/>
-        </p:spPr>
-        <p:txBody>
-          <a:bodyPr wrap="square" rtlCol="0">
-            <a:spAutoFit/>
-          </a:bodyPr>
-          <a:lstStyle/>
-          <a:p>
-            <a:r>
-              <a:rPr lang="en-PH" sz="4400" dirty="0">
-                <a:solidFill>
-                  <a:schemeClr val="bg1"/>
-                </a:solidFill>
-                <a:latin typeface="+mj-lt"/>
-              </a:rPr>
-              <a:t>Data Flow</a:t>
-            </a:r>
-          </a:p>
-          <a:p>
-            <a:r>
-              <a:rPr lang="en-PH" sz="4400" dirty="0">
-                <a:solidFill>
-                  <a:schemeClr val="bg1"/>
-                </a:solidFill>
-                <a:latin typeface="+mj-lt"/>
-              </a:rPr>
-              <a:t>Diagram:</a:t>
-            </a:r>
-          </a:p>
-        </p:txBody>
-      </p:sp>
     </p:spTree>
     <p:extLst>
       <p:ext uri="{BB962C8B-B14F-4D97-AF65-F5344CB8AC3E}">
-        <p14:creationId xmlns:p14="http://schemas.microsoft.com/office/powerpoint/2010/main" val="3814838687"/>
+        <p14:creationId xmlns:p14="http://schemas.microsoft.com/office/powerpoint/2010/main" val="2249776953"/>
       </p:ext>
     </p:extLst>
   </p:cSld>
@@ -8310,10 +8289,10 @@
       </p:grpSpPr>
       <p:pic>
         <p:nvPicPr>
-          <p:cNvPr id="7" name="Content Placeholder 6">
+          <p:cNvPr id="5" name="Content Placeholder 4">
             <a:extLst>
               <a:ext uri="{FF2B5EF4-FFF2-40B4-BE49-F238E27FC236}">
-                <a16:creationId xmlns:a16="http://schemas.microsoft.com/office/drawing/2014/main" id="{D54D25B5-87D9-4D2B-B3AB-2FAA50F02E93}"/>
+                <a16:creationId xmlns:a16="http://schemas.microsoft.com/office/drawing/2014/main" id="{B5CFF526-76DF-4709-9806-574F0B7D1A57}"/>
               </a:ext>
             </a:extLst>
           </p:cNvPr>
@@ -8338,48 +8317,55 @@
         </p:blipFill>
         <p:spPr>
           <a:xfrm>
-            <a:off x="2682240" y="406400"/>
-            <a:ext cx="9053082" cy="5918654"/>
+            <a:off x="497839" y="171018"/>
+            <a:ext cx="11226607" cy="6402501"/>
           </a:xfrm>
         </p:spPr>
       </p:pic>
       <p:sp>
         <p:nvSpPr>
-          <p:cNvPr id="8" name="Rectangle 7">
+          <p:cNvPr id="9" name="TextBox 8">
             <a:extLst>
               <a:ext uri="{FF2B5EF4-FFF2-40B4-BE49-F238E27FC236}">
-                <a16:creationId xmlns:a16="http://schemas.microsoft.com/office/drawing/2014/main" id="{DB63BDFB-C3F2-45C7-B045-F74E27DA7E70}"/>
+                <a16:creationId xmlns:a16="http://schemas.microsoft.com/office/drawing/2014/main" id="{8E503FA6-F333-4BCB-BBAB-990E0CFD7D4E}"/>
               </a:ext>
             </a:extLst>
           </p:cNvPr>
-          <p:cNvSpPr/>
+          <p:cNvSpPr txBox="1"/>
           <p:nvPr/>
         </p:nvSpPr>
         <p:spPr>
           <a:xfrm>
-            <a:off x="193040" y="589689"/>
-            <a:ext cx="2489200" cy="2123658"/>
+            <a:off x="707011" y="4204355"/>
+            <a:ext cx="3421930" cy="1446550"/>
           </a:xfrm>
           <a:prstGeom prst="rect">
             <a:avLst/>
           </a:prstGeom>
-        </p:spPr>
-        <p:txBody>
-          <a:bodyPr wrap="square">
+          <a:noFill/>
+        </p:spPr>
+        <p:txBody>
+          <a:bodyPr wrap="square" rtlCol="0">
             <a:spAutoFit/>
           </a:bodyPr>
           <a:lstStyle/>
           <a:p>
             <a:r>
               <a:rPr lang="en-PH" sz="4400" dirty="0">
+                <a:solidFill>
+                  <a:schemeClr val="bg1"/>
+                </a:solidFill>
                 <a:latin typeface="+mj-lt"/>
               </a:rPr>
-              <a:t>Context Flow</a:t>
+              <a:t>Data Flow</a:t>
             </a:r>
           </a:p>
           <a:p>
             <a:r>
               <a:rPr lang="en-PH" sz="4400" dirty="0">
+                <a:solidFill>
+                  <a:schemeClr val="bg1"/>
+                </a:solidFill>
                 <a:latin typeface="+mj-lt"/>
               </a:rPr>
               <a:t>Diagram:</a:t>
@@ -8390,7 +8376,7 @@
     </p:spTree>
     <p:extLst>
       <p:ext uri="{BB962C8B-B14F-4D97-AF65-F5344CB8AC3E}">
-        <p14:creationId xmlns:p14="http://schemas.microsoft.com/office/powerpoint/2010/main" val="3664726507"/>
+        <p14:creationId xmlns:p14="http://schemas.microsoft.com/office/powerpoint/2010/main" val="3814838687"/>
       </p:ext>
     </p:extLst>
   </p:cSld>
@@ -8417,54 +8403,12 @@
           <a:chExt cx="0" cy="0"/>
         </a:xfrm>
       </p:grpSpPr>
-      <p:sp>
-        <p:nvSpPr>
-          <p:cNvPr id="2" name="Title 1">
-            <a:extLst>
-              <a:ext uri="{FF2B5EF4-FFF2-40B4-BE49-F238E27FC236}">
-                <a16:creationId xmlns:a16="http://schemas.microsoft.com/office/drawing/2014/main" id="{2E332502-3BB5-4EEB-A90C-DE207F52F361}"/>
-              </a:ext>
-            </a:extLst>
-          </p:cNvPr>
-          <p:cNvSpPr>
-            <a:spLocks noGrp="1"/>
-          </p:cNvSpPr>
-          <p:nvPr>
-            <p:ph type="title"/>
-          </p:nvPr>
-        </p:nvSpPr>
-        <p:spPr>
-          <a:xfrm>
-            <a:off x="287352" y="230588"/>
-            <a:ext cx="2382520" cy="2361123"/>
-          </a:xfrm>
-        </p:spPr>
-        <p:txBody>
-          <a:bodyPr>
-            <a:normAutofit/>
-          </a:bodyPr>
-          <a:lstStyle/>
-          <a:p>
-            <a:r>
-              <a:rPr lang="en-PH" dirty="0"/>
-              <a:t>Activity </a:t>
-            </a:r>
-            <a:br>
-              <a:rPr lang="en-PH" dirty="0"/>
-            </a:br>
-            <a:r>
-              <a:rPr lang="en-PH" dirty="0"/>
-              <a:t>Diagram:</a:t>
-            </a:r>
-          </a:p>
-        </p:txBody>
-      </p:sp>
       <p:pic>
         <p:nvPicPr>
-          <p:cNvPr id="5" name="Content Placeholder 4">
+          <p:cNvPr id="7" name="Content Placeholder 6">
             <a:extLst>
               <a:ext uri="{FF2B5EF4-FFF2-40B4-BE49-F238E27FC236}">
-                <a16:creationId xmlns:a16="http://schemas.microsoft.com/office/drawing/2014/main" id="{CC67F745-464B-4BFF-867B-AEFDE3F14E5B}"/>
+                <a16:creationId xmlns:a16="http://schemas.microsoft.com/office/drawing/2014/main" id="{D54D25B5-87D9-4D2B-B3AB-2FAA50F02E93}"/>
               </a:ext>
             </a:extLst>
           </p:cNvPr>
@@ -8489,15 +8433,59 @@
         </p:blipFill>
         <p:spPr>
           <a:xfrm>
-            <a:off x="3007360" y="365125"/>
-            <a:ext cx="8707119" cy="5918814"/>
+            <a:off x="2682240" y="406400"/>
+            <a:ext cx="9053082" cy="5918654"/>
           </a:xfrm>
         </p:spPr>
       </p:pic>
+      <p:sp>
+        <p:nvSpPr>
+          <p:cNvPr id="8" name="Rectangle 7">
+            <a:extLst>
+              <a:ext uri="{FF2B5EF4-FFF2-40B4-BE49-F238E27FC236}">
+                <a16:creationId xmlns:a16="http://schemas.microsoft.com/office/drawing/2014/main" id="{DB63BDFB-C3F2-45C7-B045-F74E27DA7E70}"/>
+              </a:ext>
+            </a:extLst>
+          </p:cNvPr>
+          <p:cNvSpPr/>
+          <p:nvPr/>
+        </p:nvSpPr>
+        <p:spPr>
+          <a:xfrm>
+            <a:off x="193040" y="589689"/>
+            <a:ext cx="2489200" cy="2123658"/>
+          </a:xfrm>
+          <a:prstGeom prst="rect">
+            <a:avLst/>
+          </a:prstGeom>
+        </p:spPr>
+        <p:txBody>
+          <a:bodyPr wrap="square">
+            <a:spAutoFit/>
+          </a:bodyPr>
+          <a:lstStyle/>
+          <a:p>
+            <a:r>
+              <a:rPr lang="en-PH" sz="4400" dirty="0">
+                <a:latin typeface="+mj-lt"/>
+              </a:rPr>
+              <a:t>Context Flow</a:t>
+            </a:r>
+          </a:p>
+          <a:p>
+            <a:r>
+              <a:rPr lang="en-PH" sz="4400" dirty="0">
+                <a:latin typeface="+mj-lt"/>
+              </a:rPr>
+              <a:t>Diagram:</a:t>
+            </a:r>
+          </a:p>
+        </p:txBody>
+      </p:sp>
     </p:spTree>
     <p:extLst>
       <p:ext uri="{BB962C8B-B14F-4D97-AF65-F5344CB8AC3E}">
-        <p14:creationId xmlns:p14="http://schemas.microsoft.com/office/powerpoint/2010/main" val="1364230394"/>
+        <p14:creationId xmlns:p14="http://schemas.microsoft.com/office/powerpoint/2010/main" val="3664726507"/>
       </p:ext>
     </p:extLst>
   </p:cSld>
@@ -8529,7 +8517,7 @@
           <p:cNvPr id="2" name="Title 1">
             <a:extLst>
               <a:ext uri="{FF2B5EF4-FFF2-40B4-BE49-F238E27FC236}">
-                <a16:creationId xmlns:a16="http://schemas.microsoft.com/office/drawing/2014/main" id="{479E2D59-9636-4395-9E40-C3CF6263C442}"/>
+                <a16:creationId xmlns:a16="http://schemas.microsoft.com/office/drawing/2014/main" id="{2E332502-3BB5-4EEB-A90C-DE207F52F361}"/>
               </a:ext>
             </a:extLst>
           </p:cNvPr>
@@ -8542,19 +8530,26 @@
         </p:nvSpPr>
         <p:spPr>
           <a:xfrm>
-            <a:off x="279400" y="569282"/>
-            <a:ext cx="7196667" cy="523875"/>
+            <a:off x="287352" y="230588"/>
+            <a:ext cx="2382520" cy="2361123"/>
           </a:xfrm>
         </p:spPr>
         <p:txBody>
           <a:bodyPr>
-            <a:normAutofit fontScale="90000"/>
+            <a:normAutofit/>
           </a:bodyPr>
           <a:lstStyle/>
           <a:p>
             <a:r>
               <a:rPr lang="en-PH" dirty="0"/>
-              <a:t>Entity Relationship Diagram:</a:t>
+              <a:t>Activity </a:t>
+            </a:r>
+            <a:br>
+              <a:rPr lang="en-PH" dirty="0"/>
+            </a:br>
+            <a:r>
+              <a:rPr lang="en-PH" dirty="0"/>
+              <a:t>Diagram:</a:t>
             </a:r>
           </a:p>
         </p:txBody>
@@ -8564,7 +8559,7 @@
           <p:cNvPr id="5" name="Content Placeholder 4">
             <a:extLst>
               <a:ext uri="{FF2B5EF4-FFF2-40B4-BE49-F238E27FC236}">
-                <a16:creationId xmlns:a16="http://schemas.microsoft.com/office/drawing/2014/main" id="{67C5AF48-993F-4FF6-8CC6-B832BA86C478}"/>
+                <a16:creationId xmlns:a16="http://schemas.microsoft.com/office/drawing/2014/main" id="{CC67F745-464B-4BFF-867B-AEFDE3F14E5B}"/>
               </a:ext>
             </a:extLst>
           </p:cNvPr>
@@ -8589,15 +8584,15 @@
         </p:blipFill>
         <p:spPr>
           <a:xfrm>
-            <a:off x="279400" y="1162965"/>
-            <a:ext cx="10710333" cy="5265661"/>
+            <a:off x="3007360" y="365125"/>
+            <a:ext cx="8707119" cy="5918814"/>
           </a:xfrm>
         </p:spPr>
       </p:pic>
     </p:spTree>
     <p:extLst>
       <p:ext uri="{BB962C8B-B14F-4D97-AF65-F5344CB8AC3E}">
-        <p14:creationId xmlns:p14="http://schemas.microsoft.com/office/powerpoint/2010/main" val="1553646974"/>
+        <p14:creationId xmlns:p14="http://schemas.microsoft.com/office/powerpoint/2010/main" val="1364230394"/>
       </p:ext>
     </p:extLst>
   </p:cSld>
@@ -8629,7 +8624,7 @@
           <p:cNvPr id="2" name="Title 1">
             <a:extLst>
               <a:ext uri="{FF2B5EF4-FFF2-40B4-BE49-F238E27FC236}">
-                <a16:creationId xmlns:a16="http://schemas.microsoft.com/office/drawing/2014/main" id="{EF1DFA29-92D4-46D3-9F9B-6FC6A8635942}"/>
+                <a16:creationId xmlns:a16="http://schemas.microsoft.com/office/drawing/2014/main" id="{479E2D59-9636-4395-9E40-C3CF6263C442}"/>
               </a:ext>
             </a:extLst>
           </p:cNvPr>
@@ -8642,19 +8637,19 @@
         </p:nvSpPr>
         <p:spPr>
           <a:xfrm>
-            <a:off x="299321" y="0"/>
-            <a:ext cx="4386979" cy="806758"/>
+            <a:off x="279400" y="569282"/>
+            <a:ext cx="7196667" cy="523875"/>
           </a:xfrm>
         </p:spPr>
         <p:txBody>
           <a:bodyPr>
-            <a:normAutofit/>
+            <a:normAutofit fontScale="90000"/>
           </a:bodyPr>
           <a:lstStyle/>
           <a:p>
             <a:r>
-              <a:rPr lang="en-PH" sz="4400" dirty="0"/>
-              <a:t>Data Dictionary:</a:t>
+              <a:rPr lang="en-PH" dirty="0"/>
+              <a:t>Entity Relationship Diagram:</a:t>
             </a:r>
           </a:p>
         </p:txBody>
@@ -8664,7 +8659,7 @@
           <p:cNvPr id="5" name="Content Placeholder 4">
             <a:extLst>
               <a:ext uri="{FF2B5EF4-FFF2-40B4-BE49-F238E27FC236}">
-                <a16:creationId xmlns:a16="http://schemas.microsoft.com/office/drawing/2014/main" id="{12702142-15DD-40F5-9CF5-A8777B76B7F1}"/>
+                <a16:creationId xmlns:a16="http://schemas.microsoft.com/office/drawing/2014/main" id="{67C5AF48-993F-4FF6-8CC6-B832BA86C478}"/>
               </a:ext>
             </a:extLst>
           </p:cNvPr>
@@ -8689,15 +8684,15 @@
         </p:blipFill>
         <p:spPr>
           <a:xfrm>
-            <a:off x="1416058" y="806758"/>
-            <a:ext cx="9678662" cy="5895106"/>
+            <a:off x="279400" y="1162965"/>
+            <a:ext cx="10710333" cy="5265661"/>
           </a:xfrm>
         </p:spPr>
       </p:pic>
     </p:spTree>
     <p:extLst>
       <p:ext uri="{BB962C8B-B14F-4D97-AF65-F5344CB8AC3E}">
-        <p14:creationId xmlns:p14="http://schemas.microsoft.com/office/powerpoint/2010/main" val="1811653618"/>
+        <p14:creationId xmlns:p14="http://schemas.microsoft.com/office/powerpoint/2010/main" val="1553646974"/>
       </p:ext>
     </p:extLst>
   </p:cSld>
@@ -8742,27 +8737,29 @@
         </p:nvSpPr>
         <p:spPr>
           <a:xfrm>
-            <a:off x="289796" y="0"/>
-            <a:ext cx="5187079" cy="866022"/>
-          </a:xfrm>
-        </p:spPr>
-        <p:txBody>
-          <a:bodyPr/>
+            <a:off x="299321" y="0"/>
+            <a:ext cx="4386979" cy="806758"/>
+          </a:xfrm>
+        </p:spPr>
+        <p:txBody>
+          <a:bodyPr>
+            <a:normAutofit/>
+          </a:bodyPr>
           <a:lstStyle/>
           <a:p>
             <a:r>
-              <a:rPr lang="en-PH" dirty="0"/>
-              <a:t>Data Dictionary (cont.):</a:t>
+              <a:rPr lang="en-PH" sz="4400" dirty="0"/>
+              <a:t>Data Dictionary:</a:t>
             </a:r>
           </a:p>
         </p:txBody>
       </p:sp>
       <p:pic>
         <p:nvPicPr>
-          <p:cNvPr id="7" name="Content Placeholder 6">
+          <p:cNvPr id="5" name="Content Placeholder 4">
             <a:extLst>
               <a:ext uri="{FF2B5EF4-FFF2-40B4-BE49-F238E27FC236}">
-                <a16:creationId xmlns:a16="http://schemas.microsoft.com/office/drawing/2014/main" id="{39F0A09D-6440-44D4-A499-CF9797570E58}"/>
+                <a16:creationId xmlns:a16="http://schemas.microsoft.com/office/drawing/2014/main" id="{12702142-15DD-40F5-9CF5-A8777B76B7F1}"/>
               </a:ext>
             </a:extLst>
           </p:cNvPr>
@@ -8787,15 +8784,15 @@
         </p:blipFill>
         <p:spPr>
           <a:xfrm>
-            <a:off x="1397848" y="690880"/>
-            <a:ext cx="9564792" cy="6089016"/>
+            <a:off x="1416058" y="806758"/>
+            <a:ext cx="9678662" cy="5895106"/>
           </a:xfrm>
         </p:spPr>
       </p:pic>
     </p:spTree>
     <p:extLst>
       <p:ext uri="{BB962C8B-B14F-4D97-AF65-F5344CB8AC3E}">
-        <p14:creationId xmlns:p14="http://schemas.microsoft.com/office/powerpoint/2010/main" val="2810483346"/>
+        <p14:creationId xmlns:p14="http://schemas.microsoft.com/office/powerpoint/2010/main" val="1811653618"/>
       </p:ext>
     </p:extLst>
   </p:cSld>
@@ -8857,10 +8854,10 @@
       </p:sp>
       <p:pic>
         <p:nvPicPr>
-          <p:cNvPr id="5" name="Content Placeholder 4">
+          <p:cNvPr id="7" name="Content Placeholder 6">
             <a:extLst>
               <a:ext uri="{FF2B5EF4-FFF2-40B4-BE49-F238E27FC236}">
-                <a16:creationId xmlns:a16="http://schemas.microsoft.com/office/drawing/2014/main" id="{B2D57CD9-7BAD-48AD-977F-5FEDBD6F1764}"/>
+                <a16:creationId xmlns:a16="http://schemas.microsoft.com/office/drawing/2014/main" id="{39F0A09D-6440-44D4-A499-CF9797570E58}"/>
               </a:ext>
             </a:extLst>
           </p:cNvPr>
@@ -8885,15 +8882,15 @@
         </p:blipFill>
         <p:spPr>
           <a:xfrm>
-            <a:off x="713874" y="970664"/>
-            <a:ext cx="10919326" cy="5479058"/>
+            <a:off x="1397848" y="690880"/>
+            <a:ext cx="9564792" cy="6089016"/>
           </a:xfrm>
         </p:spPr>
       </p:pic>
     </p:spTree>
     <p:extLst>
       <p:ext uri="{BB962C8B-B14F-4D97-AF65-F5344CB8AC3E}">
-        <p14:creationId xmlns:p14="http://schemas.microsoft.com/office/powerpoint/2010/main" val="3584870947"/>
+        <p14:creationId xmlns:p14="http://schemas.microsoft.com/office/powerpoint/2010/main" val="2810483346"/>
       </p:ext>
     </p:extLst>
   </p:cSld>
@@ -8925,7 +8922,7 @@
           <p:cNvPr id="2" name="Title 1">
             <a:extLst>
               <a:ext uri="{FF2B5EF4-FFF2-40B4-BE49-F238E27FC236}">
-                <a16:creationId xmlns:a16="http://schemas.microsoft.com/office/drawing/2014/main" id="{0A763ACA-4B1C-4B2F-937E-9F5A2C2BE8AA}"/>
+                <a16:creationId xmlns:a16="http://schemas.microsoft.com/office/drawing/2014/main" id="{E3BAA72D-DFEB-4818-BD94-80F1C169FACA}"/>
               </a:ext>
             </a:extLst>
           </p:cNvPr>
@@ -8936,62 +8933,47 @@
             <p:ph type="title"/>
           </p:nvPr>
         </p:nvSpPr>
-        <p:spPr>
-          <a:xfrm>
-            <a:off x="838200" y="289325"/>
-            <a:ext cx="10515600" cy="1200021"/>
-          </a:xfrm>
-        </p:spPr>
+        <p:spPr/>
         <p:txBody>
           <a:bodyPr/>
           <a:lstStyle/>
           <a:p>
             <a:r>
               <a:rPr lang="en-PH" dirty="0"/>
-              <a:t>Event Table:</a:t>
-            </a:r>
-          </a:p>
-        </p:txBody>
-      </p:sp>
-      <p:pic>
-        <p:nvPicPr>
-          <p:cNvPr id="9" name="Content Placeholder 8">
+              <a:t>Introduction:</a:t>
+            </a:r>
+          </a:p>
+        </p:txBody>
+      </p:sp>
+      <p:sp>
+        <p:nvSpPr>
+          <p:cNvPr id="3" name="Content Placeholder 2">
             <a:extLst>
               <a:ext uri="{FF2B5EF4-FFF2-40B4-BE49-F238E27FC236}">
-                <a16:creationId xmlns:a16="http://schemas.microsoft.com/office/drawing/2014/main" id="{BF578349-CEE5-46A0-A384-75B2A785FDC9}"/>
+                <a16:creationId xmlns:a16="http://schemas.microsoft.com/office/drawing/2014/main" id="{58A37E79-FAFE-4B53-82E5-5E07825B72B8}"/>
               </a:ext>
             </a:extLst>
           </p:cNvPr>
-          <p:cNvPicPr>
-            <a:picLocks noGrp="1" noChangeAspect="1"/>
-          </p:cNvPicPr>
+          <p:cNvSpPr>
+            <a:spLocks noGrp="1"/>
+          </p:cNvSpPr>
           <p:nvPr>
             <p:ph idx="1"/>
           </p:nvPr>
-        </p:nvPicPr>
-        <p:blipFill>
-          <a:blip r:embed="rId2">
-            <a:extLst>
-              <a:ext uri="{28A0092B-C50C-407E-A947-70E740481C1C}">
-                <a14:useLocalDpi xmlns:a14="http://schemas.microsoft.com/office/drawing/2010/main" val="0"/>
-              </a:ext>
-            </a:extLst>
-          </a:blip>
-          <a:stretch>
-            <a:fillRect/>
-          </a:stretch>
-        </p:blipFill>
-        <p:spPr>
-          <a:xfrm>
-            <a:off x="736600" y="1240894"/>
-            <a:ext cx="10124440" cy="5327781"/>
-          </a:xfrm>
-        </p:spPr>
-      </p:pic>
+        </p:nvSpPr>
+        <p:spPr/>
+        <p:txBody>
+          <a:bodyPr/>
+          <a:lstStyle/>
+          <a:p>
+            <a:endParaRPr lang="en-PH"/>
+          </a:p>
+        </p:txBody>
+      </p:sp>
     </p:spTree>
     <p:extLst>
       <p:ext uri="{BB962C8B-B14F-4D97-AF65-F5344CB8AC3E}">
-        <p14:creationId xmlns:p14="http://schemas.microsoft.com/office/powerpoint/2010/main" val="3134308702"/>
+        <p14:creationId xmlns:p14="http://schemas.microsoft.com/office/powerpoint/2010/main" val="3140537140"/>
       </p:ext>
     </p:extLst>
   </p:cSld>
@@ -9023,7 +9005,7 @@
           <p:cNvPr id="2" name="Title 1">
             <a:extLst>
               <a:ext uri="{FF2B5EF4-FFF2-40B4-BE49-F238E27FC236}">
-                <a16:creationId xmlns:a16="http://schemas.microsoft.com/office/drawing/2014/main" id="{628102B7-24FD-49C4-996D-8C9AD8DF0752}"/>
+                <a16:creationId xmlns:a16="http://schemas.microsoft.com/office/drawing/2014/main" id="{EF1DFA29-92D4-46D3-9F9B-6FC6A8635942}"/>
               </a:ext>
             </a:extLst>
           </p:cNvPr>
@@ -9034,47 +9016,62 @@
             <p:ph type="title"/>
           </p:nvPr>
         </p:nvSpPr>
-        <p:spPr/>
+        <p:spPr>
+          <a:xfrm>
+            <a:off x="289796" y="0"/>
+            <a:ext cx="5187079" cy="866022"/>
+          </a:xfrm>
+        </p:spPr>
         <p:txBody>
           <a:bodyPr/>
           <a:lstStyle/>
           <a:p>
             <a:r>
               <a:rPr lang="en-PH" dirty="0"/>
-              <a:t>Class Diagram:</a:t>
-            </a:r>
-          </a:p>
-        </p:txBody>
-      </p:sp>
-      <p:sp>
-        <p:nvSpPr>
-          <p:cNvPr id="3" name="Content Placeholder 2">
+              <a:t>Data Dictionary (cont.):</a:t>
+            </a:r>
+          </a:p>
+        </p:txBody>
+      </p:sp>
+      <p:pic>
+        <p:nvPicPr>
+          <p:cNvPr id="5" name="Content Placeholder 4">
             <a:extLst>
               <a:ext uri="{FF2B5EF4-FFF2-40B4-BE49-F238E27FC236}">
-                <a16:creationId xmlns:a16="http://schemas.microsoft.com/office/drawing/2014/main" id="{40BCDABE-88E2-4916-A429-95D942FCDB88}"/>
+                <a16:creationId xmlns:a16="http://schemas.microsoft.com/office/drawing/2014/main" id="{B2D57CD9-7BAD-48AD-977F-5FEDBD6F1764}"/>
               </a:ext>
             </a:extLst>
           </p:cNvPr>
-          <p:cNvSpPr>
-            <a:spLocks noGrp="1"/>
-          </p:cNvSpPr>
+          <p:cNvPicPr>
+            <a:picLocks noGrp="1" noChangeAspect="1"/>
+          </p:cNvPicPr>
           <p:nvPr>
             <p:ph idx="1"/>
           </p:nvPr>
-        </p:nvSpPr>
-        <p:spPr/>
-        <p:txBody>
-          <a:bodyPr/>
-          <a:lstStyle/>
-          <a:p>
-            <a:endParaRPr lang="en-PH" dirty="0"/>
-          </a:p>
-        </p:txBody>
-      </p:sp>
+        </p:nvPicPr>
+        <p:blipFill>
+          <a:blip r:embed="rId2">
+            <a:extLst>
+              <a:ext uri="{28A0092B-C50C-407E-A947-70E740481C1C}">
+                <a14:useLocalDpi xmlns:a14="http://schemas.microsoft.com/office/drawing/2010/main" val="0"/>
+              </a:ext>
+            </a:extLst>
+          </a:blip>
+          <a:stretch>
+            <a:fillRect/>
+          </a:stretch>
+        </p:blipFill>
+        <p:spPr>
+          <a:xfrm>
+            <a:off x="713874" y="970664"/>
+            <a:ext cx="10919326" cy="5479058"/>
+          </a:xfrm>
+        </p:spPr>
+      </p:pic>
     </p:spTree>
     <p:extLst>
       <p:ext uri="{BB962C8B-B14F-4D97-AF65-F5344CB8AC3E}">
-        <p14:creationId xmlns:p14="http://schemas.microsoft.com/office/powerpoint/2010/main" val="4176302167"/>
+        <p14:creationId xmlns:p14="http://schemas.microsoft.com/office/powerpoint/2010/main" val="3584870947"/>
       </p:ext>
     </p:extLst>
   </p:cSld>
@@ -9106,6 +9103,106 @@
           <p:cNvPr id="2" name="Title 1">
             <a:extLst>
               <a:ext uri="{FF2B5EF4-FFF2-40B4-BE49-F238E27FC236}">
+                <a16:creationId xmlns:a16="http://schemas.microsoft.com/office/drawing/2014/main" id="{628102B7-24FD-49C4-996D-8C9AD8DF0752}"/>
+              </a:ext>
+            </a:extLst>
+          </p:cNvPr>
+          <p:cNvSpPr>
+            <a:spLocks noGrp="1"/>
+          </p:cNvSpPr>
+          <p:nvPr>
+            <p:ph type="title"/>
+          </p:nvPr>
+        </p:nvSpPr>
+        <p:spPr>
+          <a:xfrm>
+            <a:off x="146921" y="772278"/>
+            <a:ext cx="3063003" cy="1075572"/>
+          </a:xfrm>
+        </p:spPr>
+        <p:txBody>
+          <a:bodyPr>
+            <a:normAutofit fontScale="90000"/>
+          </a:bodyPr>
+          <a:lstStyle/>
+          <a:p>
+            <a:r>
+              <a:rPr lang="en-PH" dirty="0"/>
+              <a:t>Class Diagram:</a:t>
+            </a:r>
+          </a:p>
+        </p:txBody>
+      </p:sp>
+      <p:pic>
+        <p:nvPicPr>
+          <p:cNvPr id="5" name="Content Placeholder 4">
+            <a:extLst>
+              <a:ext uri="{FF2B5EF4-FFF2-40B4-BE49-F238E27FC236}">
+                <a16:creationId xmlns:a16="http://schemas.microsoft.com/office/drawing/2014/main" id="{D352ACE2-6B40-4A76-ABB0-C5A91A554312}"/>
+              </a:ext>
+            </a:extLst>
+          </p:cNvPr>
+          <p:cNvPicPr>
+            <a:picLocks noGrp="1" noChangeAspect="1"/>
+          </p:cNvPicPr>
+          <p:nvPr>
+            <p:ph idx="1"/>
+          </p:nvPr>
+        </p:nvPicPr>
+        <p:blipFill>
+          <a:blip r:embed="rId2">
+            <a:extLst>
+              <a:ext uri="{28A0092B-C50C-407E-A947-70E740481C1C}">
+                <a14:useLocalDpi xmlns:a14="http://schemas.microsoft.com/office/drawing/2010/main" val="0"/>
+              </a:ext>
+            </a:extLst>
+          </a:blip>
+          <a:stretch>
+            <a:fillRect/>
+          </a:stretch>
+        </p:blipFill>
+        <p:spPr>
+          <a:xfrm>
+            <a:off x="3552824" y="192035"/>
+            <a:ext cx="7600951" cy="6473930"/>
+          </a:xfrm>
+        </p:spPr>
+      </p:pic>
+    </p:spTree>
+    <p:extLst>
+      <p:ext uri="{BB962C8B-B14F-4D97-AF65-F5344CB8AC3E}">
+        <p14:creationId xmlns:p14="http://schemas.microsoft.com/office/powerpoint/2010/main" val="4176302167"/>
+      </p:ext>
+    </p:extLst>
+  </p:cSld>
+  <p:clrMapOvr>
+    <a:masterClrMapping/>
+  </p:clrMapOvr>
+</p:sld>
+</file>
+
+<file path=ppt/slides/slide22.xml><?xml version="1.0" encoding="utf-8"?>
+<p:sld xmlns:a="http://schemas.openxmlformats.org/drawingml/2006/main" xmlns:r="http://schemas.openxmlformats.org/officeDocument/2006/relationships" xmlns:p="http://schemas.openxmlformats.org/presentationml/2006/main">
+  <p:cSld>
+    <p:spTree>
+      <p:nvGrpSpPr>
+        <p:cNvPr id="1" name=""/>
+        <p:cNvGrpSpPr/>
+        <p:nvPr/>
+      </p:nvGrpSpPr>
+      <p:grpSpPr>
+        <a:xfrm>
+          <a:off x="0" y="0"/>
+          <a:ext cx="0" cy="0"/>
+          <a:chOff x="0" y="0"/>
+          <a:chExt cx="0" cy="0"/>
+        </a:xfrm>
+      </p:grpSpPr>
+      <p:sp>
+        <p:nvSpPr>
+          <p:cNvPr id="2" name="Title 1">
+            <a:extLst>
+              <a:ext uri="{FF2B5EF4-FFF2-40B4-BE49-F238E27FC236}">
                 <a16:creationId xmlns:a16="http://schemas.microsoft.com/office/drawing/2014/main" id="{C9FDF1D2-D26B-4DEC-BA15-EC87BA499030}"/>
               </a:ext>
             </a:extLst>
@@ -9182,7 +9279,7 @@
 </p:sld>
 </file>
 
-<file path=ppt/slides/slide22.xml><?xml version="1.0" encoding="utf-8"?>
+<file path=ppt/slides/slide23.xml><?xml version="1.0" encoding="utf-8"?>
 <p:sld xmlns:a="http://schemas.openxmlformats.org/drawingml/2006/main" xmlns:r="http://schemas.openxmlformats.org/officeDocument/2006/relationships" xmlns:p="http://schemas.openxmlformats.org/presentationml/2006/main">
   <p:cSld>
     <p:spTree>
@@ -9318,7 +9415,7 @@
 </p:sld>
 </file>
 
-<file path=ppt/slides/slide23.xml><?xml version="1.0" encoding="utf-8"?>
+<file path=ppt/slides/slide24.xml><?xml version="1.0" encoding="utf-8"?>
 <p:sld xmlns:a="http://schemas.openxmlformats.org/drawingml/2006/main" xmlns:r="http://schemas.openxmlformats.org/officeDocument/2006/relationships" xmlns:p="http://schemas.openxmlformats.org/presentationml/2006/main">
   <p:cSld>
     <p:spTree>
@@ -9449,6 +9546,89 @@
 </p:sld>
 </file>
 
+<file path=ppt/slides/slide25.xml><?xml version="1.0" encoding="utf-8"?>
+<p:sld xmlns:a="http://schemas.openxmlformats.org/drawingml/2006/main" xmlns:r="http://schemas.openxmlformats.org/officeDocument/2006/relationships" xmlns:p="http://schemas.openxmlformats.org/presentationml/2006/main">
+  <p:cSld>
+    <p:spTree>
+      <p:nvGrpSpPr>
+        <p:cNvPr id="1" name=""/>
+        <p:cNvGrpSpPr/>
+        <p:nvPr/>
+      </p:nvGrpSpPr>
+      <p:grpSpPr>
+        <a:xfrm>
+          <a:off x="0" y="0"/>
+          <a:ext cx="0" cy="0"/>
+          <a:chOff x="0" y="0"/>
+          <a:chExt cx="0" cy="0"/>
+        </a:xfrm>
+      </p:grpSpPr>
+      <p:sp>
+        <p:nvSpPr>
+          <p:cNvPr id="2" name="Title 1">
+            <a:extLst>
+              <a:ext uri="{FF2B5EF4-FFF2-40B4-BE49-F238E27FC236}">
+                <a16:creationId xmlns:a16="http://schemas.microsoft.com/office/drawing/2014/main" id="{01D22563-1E26-4D2C-BA9A-E07D73640C46}"/>
+              </a:ext>
+            </a:extLst>
+          </p:cNvPr>
+          <p:cNvSpPr>
+            <a:spLocks noGrp="1"/>
+          </p:cNvSpPr>
+          <p:nvPr>
+            <p:ph type="title"/>
+          </p:nvPr>
+        </p:nvSpPr>
+        <p:spPr/>
+        <p:txBody>
+          <a:bodyPr/>
+          <a:lstStyle/>
+          <a:p>
+            <a:r>
+              <a:rPr lang="en-PH" dirty="0"/>
+              <a:t>Conclusion:</a:t>
+            </a:r>
+          </a:p>
+        </p:txBody>
+      </p:sp>
+      <p:sp>
+        <p:nvSpPr>
+          <p:cNvPr id="3" name="Content Placeholder 2">
+            <a:extLst>
+              <a:ext uri="{FF2B5EF4-FFF2-40B4-BE49-F238E27FC236}">
+                <a16:creationId xmlns:a16="http://schemas.microsoft.com/office/drawing/2014/main" id="{3C403C9D-DA67-4ED1-903E-077753499182}"/>
+              </a:ext>
+            </a:extLst>
+          </p:cNvPr>
+          <p:cNvSpPr>
+            <a:spLocks noGrp="1"/>
+          </p:cNvSpPr>
+          <p:nvPr>
+            <p:ph idx="1"/>
+          </p:nvPr>
+        </p:nvSpPr>
+        <p:spPr/>
+        <p:txBody>
+          <a:bodyPr/>
+          <a:lstStyle/>
+          <a:p>
+            <a:endParaRPr lang="en-PH"/>
+          </a:p>
+        </p:txBody>
+      </p:sp>
+    </p:spTree>
+    <p:extLst>
+      <p:ext uri="{BB962C8B-B14F-4D97-AF65-F5344CB8AC3E}">
+        <p14:creationId xmlns:p14="http://schemas.microsoft.com/office/powerpoint/2010/main" val="2625351559"/>
+      </p:ext>
+    </p:extLst>
+  </p:cSld>
+  <p:clrMapOvr>
+    <a:masterClrMapping/>
+  </p:clrMapOvr>
+</p:sld>
+</file>
+
 <file path=ppt/slides/slide3.xml><?xml version="1.0" encoding="utf-8"?>
 <p:sld xmlns:a="http://schemas.openxmlformats.org/drawingml/2006/main" xmlns:r="http://schemas.openxmlformats.org/officeDocument/2006/relationships" xmlns:p="http://schemas.openxmlformats.org/presentationml/2006/main">
   <p:cSld>
@@ -9471,7 +9651,7 @@
           <p:cNvPr id="2" name="Title 1">
             <a:extLst>
               <a:ext uri="{FF2B5EF4-FFF2-40B4-BE49-F238E27FC236}">
-                <a16:creationId xmlns:a16="http://schemas.microsoft.com/office/drawing/2014/main" id="{B7C77B74-8CFB-42BD-8A5A-7BD20566716F}"/>
+                <a16:creationId xmlns:a16="http://schemas.microsoft.com/office/drawing/2014/main" id="{0A763ACA-4B1C-4B2F-937E-9F5A2C2BE8AA}"/>
               </a:ext>
             </a:extLst>
           </p:cNvPr>
@@ -9484,8 +9664,8 @@
         </p:nvSpPr>
         <p:spPr>
           <a:xfrm>
-            <a:off x="838200" y="405463"/>
-            <a:ext cx="10515600" cy="1325563"/>
+            <a:off x="838200" y="289325"/>
+            <a:ext cx="10515600" cy="1200021"/>
           </a:xfrm>
         </p:spPr>
         <p:txBody>
@@ -9494,17 +9674,17 @@
           <a:p>
             <a:r>
               <a:rPr lang="en-PH" dirty="0"/>
-              <a:t>Event Table (cont.):</a:t>
+              <a:t>Event Table:</a:t>
             </a:r>
           </a:p>
         </p:txBody>
       </p:sp>
       <p:pic>
         <p:nvPicPr>
-          <p:cNvPr id="5" name="Content Placeholder 4">
+          <p:cNvPr id="9" name="Content Placeholder 8">
             <a:extLst>
               <a:ext uri="{FF2B5EF4-FFF2-40B4-BE49-F238E27FC236}">
-                <a16:creationId xmlns:a16="http://schemas.microsoft.com/office/drawing/2014/main" id="{B1752A8D-88ED-457B-8C8A-2217573D67F9}"/>
+                <a16:creationId xmlns:a16="http://schemas.microsoft.com/office/drawing/2014/main" id="{BF578349-CEE5-46A0-A384-75B2A785FDC9}"/>
               </a:ext>
             </a:extLst>
           </p:cNvPr>
@@ -9529,51 +9709,15 @@
         </p:blipFill>
         <p:spPr>
           <a:xfrm>
-            <a:off x="838200" y="1550357"/>
-            <a:ext cx="9321800" cy="4902180"/>
-          </a:xfrm>
-        </p:spPr>
-      </p:pic>
-      <p:pic>
-        <p:nvPicPr>
-          <p:cNvPr id="7" name="Picture 6">
-            <a:extLst>
-              <a:ext uri="{FF2B5EF4-FFF2-40B4-BE49-F238E27FC236}">
-                <a16:creationId xmlns:a16="http://schemas.microsoft.com/office/drawing/2014/main" id="{94F12613-038D-4929-ADEF-DDDD7ACF3664}"/>
-              </a:ext>
-            </a:extLst>
-          </p:cNvPr>
-          <p:cNvPicPr>
-            <a:picLocks noChangeAspect="1"/>
-          </p:cNvPicPr>
-          <p:nvPr/>
-        </p:nvPicPr>
-        <p:blipFill>
-          <a:blip r:embed="rId3">
-            <a:extLst>
-              <a:ext uri="{28A0092B-C50C-407E-A947-70E740481C1C}">
-                <a14:useLocalDpi xmlns:a14="http://schemas.microsoft.com/office/drawing/2010/main" val="0"/>
-              </a:ext>
-            </a:extLst>
-          </a:blip>
-          <a:stretch>
-            <a:fillRect/>
-          </a:stretch>
-        </p:blipFill>
-        <p:spPr>
-          <a:xfrm>
-            <a:off x="838200" y="1283643"/>
-            <a:ext cx="9321800" cy="321178"/>
-          </a:xfrm>
-          <a:prstGeom prst="rect">
-            <a:avLst/>
-          </a:prstGeom>
+            <a:off x="736600" y="1240894"/>
+            <a:ext cx="10124440" cy="5327781"/>
+          </a:xfrm>
         </p:spPr>
       </p:pic>
     </p:spTree>
     <p:extLst>
       <p:ext uri="{BB962C8B-B14F-4D97-AF65-F5344CB8AC3E}">
-        <p14:creationId xmlns:p14="http://schemas.microsoft.com/office/powerpoint/2010/main" val="3399217350"/>
+        <p14:creationId xmlns:p14="http://schemas.microsoft.com/office/powerpoint/2010/main" val="3134308702"/>
       </p:ext>
     </p:extLst>
   </p:cSld>
@@ -9605,7 +9749,7 @@
           <p:cNvPr id="2" name="Title 1">
             <a:extLst>
               <a:ext uri="{FF2B5EF4-FFF2-40B4-BE49-F238E27FC236}">
-                <a16:creationId xmlns:a16="http://schemas.microsoft.com/office/drawing/2014/main" id="{3488B36E-694B-4D6B-B64D-EB467BD8B7AD}"/>
+                <a16:creationId xmlns:a16="http://schemas.microsoft.com/office/drawing/2014/main" id="{B7C77B74-8CFB-42BD-8A5A-7BD20566716F}"/>
               </a:ext>
             </a:extLst>
           </p:cNvPr>
@@ -9618,8 +9762,8 @@
         </p:nvSpPr>
         <p:spPr>
           <a:xfrm>
-            <a:off x="838200" y="365125"/>
-            <a:ext cx="3154680" cy="2306955"/>
+            <a:off x="838200" y="405463"/>
+            <a:ext cx="10515600" cy="1325563"/>
           </a:xfrm>
         </p:spPr>
         <p:txBody>
@@ -9628,14 +9772,7 @@
           <a:p>
             <a:r>
               <a:rPr lang="en-PH" dirty="0"/>
-              <a:t>Use Case </a:t>
-            </a:r>
-            <a:br>
-              <a:rPr lang="en-PH" dirty="0"/>
-            </a:br>
-            <a:r>
-              <a:rPr lang="en-PH" dirty="0"/>
-              <a:t>Diagram:</a:t>
+              <a:t>Event Table (cont.):</a:t>
             </a:r>
           </a:p>
         </p:txBody>
@@ -9645,7 +9782,7 @@
           <p:cNvPr id="5" name="Content Placeholder 4">
             <a:extLst>
               <a:ext uri="{FF2B5EF4-FFF2-40B4-BE49-F238E27FC236}">
-                <a16:creationId xmlns:a16="http://schemas.microsoft.com/office/drawing/2014/main" id="{50A22C0E-CFC7-4B41-9C1C-B6F12806F498}"/>
+                <a16:creationId xmlns:a16="http://schemas.microsoft.com/office/drawing/2014/main" id="{B1752A8D-88ED-457B-8C8A-2217573D67F9}"/>
               </a:ext>
             </a:extLst>
           </p:cNvPr>
@@ -9670,15 +9807,51 @@
         </p:blipFill>
         <p:spPr>
           <a:xfrm>
-            <a:off x="3773451" y="178259"/>
-            <a:ext cx="5663166" cy="6501481"/>
-          </a:xfrm>
+            <a:off x="838200" y="1550357"/>
+            <a:ext cx="9321800" cy="4902180"/>
+          </a:xfrm>
+        </p:spPr>
+      </p:pic>
+      <p:pic>
+        <p:nvPicPr>
+          <p:cNvPr id="7" name="Picture 6">
+            <a:extLst>
+              <a:ext uri="{FF2B5EF4-FFF2-40B4-BE49-F238E27FC236}">
+                <a16:creationId xmlns:a16="http://schemas.microsoft.com/office/drawing/2014/main" id="{94F12613-038D-4929-ADEF-DDDD7ACF3664}"/>
+              </a:ext>
+            </a:extLst>
+          </p:cNvPr>
+          <p:cNvPicPr>
+            <a:picLocks noChangeAspect="1"/>
+          </p:cNvPicPr>
+          <p:nvPr/>
+        </p:nvPicPr>
+        <p:blipFill>
+          <a:blip r:embed="rId3">
+            <a:extLst>
+              <a:ext uri="{28A0092B-C50C-407E-A947-70E740481C1C}">
+                <a14:useLocalDpi xmlns:a14="http://schemas.microsoft.com/office/drawing/2010/main" val="0"/>
+              </a:ext>
+            </a:extLst>
+          </a:blip>
+          <a:stretch>
+            <a:fillRect/>
+          </a:stretch>
+        </p:blipFill>
+        <p:spPr>
+          <a:xfrm>
+            <a:off x="838200" y="1283643"/>
+            <a:ext cx="9321800" cy="321178"/>
+          </a:xfrm>
+          <a:prstGeom prst="rect">
+            <a:avLst/>
+          </a:prstGeom>
         </p:spPr>
       </p:pic>
     </p:spTree>
     <p:extLst>
       <p:ext uri="{BB962C8B-B14F-4D97-AF65-F5344CB8AC3E}">
-        <p14:creationId xmlns:p14="http://schemas.microsoft.com/office/powerpoint/2010/main" val="1078400145"/>
+        <p14:creationId xmlns:p14="http://schemas.microsoft.com/office/powerpoint/2010/main" val="3399217350"/>
       </p:ext>
     </p:extLst>
   </p:cSld>
@@ -9710,7 +9883,7 @@
           <p:cNvPr id="2" name="Title 1">
             <a:extLst>
               <a:ext uri="{FF2B5EF4-FFF2-40B4-BE49-F238E27FC236}">
-                <a16:creationId xmlns:a16="http://schemas.microsoft.com/office/drawing/2014/main" id="{A048CDB6-363E-44A6-99F1-3A2EA99BCB69}"/>
+                <a16:creationId xmlns:a16="http://schemas.microsoft.com/office/drawing/2014/main" id="{3488B36E-694B-4D6B-B64D-EB467BD8B7AD}"/>
               </a:ext>
             </a:extLst>
           </p:cNvPr>
@@ -9721,14 +9894,26 @@
             <p:ph type="title"/>
           </p:nvPr>
         </p:nvSpPr>
-        <p:spPr/>
+        <p:spPr>
+          <a:xfrm>
+            <a:off x="838200" y="365125"/>
+            <a:ext cx="3154680" cy="2306955"/>
+          </a:xfrm>
+        </p:spPr>
         <p:txBody>
           <a:bodyPr/>
           <a:lstStyle/>
           <a:p>
             <a:r>
               <a:rPr lang="en-PH" dirty="0"/>
-              <a:t>Use Case Full Description:</a:t>
+              <a:t>Use Case </a:t>
+            </a:r>
+            <a:br>
+              <a:rPr lang="en-PH" dirty="0"/>
+            </a:br>
+            <a:r>
+              <a:rPr lang="en-PH" dirty="0"/>
+              <a:t>Diagram:</a:t>
             </a:r>
           </a:p>
         </p:txBody>
@@ -9738,7 +9923,7 @@
           <p:cNvPr id="5" name="Content Placeholder 4">
             <a:extLst>
               <a:ext uri="{FF2B5EF4-FFF2-40B4-BE49-F238E27FC236}">
-                <a16:creationId xmlns:a16="http://schemas.microsoft.com/office/drawing/2014/main" id="{67FB703F-A8D7-4486-96A7-749CDB86542F}"/>
+                <a16:creationId xmlns:a16="http://schemas.microsoft.com/office/drawing/2014/main" id="{50A22C0E-CFC7-4B41-9C1C-B6F12806F498}"/>
               </a:ext>
             </a:extLst>
           </p:cNvPr>
@@ -9763,15 +9948,15 @@
         </p:blipFill>
         <p:spPr>
           <a:xfrm>
-            <a:off x="715445" y="1553944"/>
-            <a:ext cx="9329553" cy="4753723"/>
+            <a:off x="3773451" y="178259"/>
+            <a:ext cx="5663166" cy="6501481"/>
           </a:xfrm>
         </p:spPr>
       </p:pic>
     </p:spTree>
     <p:extLst>
       <p:ext uri="{BB962C8B-B14F-4D97-AF65-F5344CB8AC3E}">
-        <p14:creationId xmlns:p14="http://schemas.microsoft.com/office/powerpoint/2010/main" val="2163601029"/>
+        <p14:creationId xmlns:p14="http://schemas.microsoft.com/office/powerpoint/2010/main" val="1078400145"/>
       </p:ext>
     </p:extLst>
   </p:cSld>
@@ -9821,17 +10006,17 @@
           <a:p>
             <a:r>
               <a:rPr lang="en-PH" dirty="0"/>
-              <a:t>Use Case Full Description (cont.):</a:t>
+              <a:t>Use Case Full Description:</a:t>
             </a:r>
           </a:p>
         </p:txBody>
       </p:sp>
       <p:pic>
         <p:nvPicPr>
-          <p:cNvPr id="7" name="Content Placeholder 6">
+          <p:cNvPr id="5" name="Content Placeholder 4">
             <a:extLst>
               <a:ext uri="{FF2B5EF4-FFF2-40B4-BE49-F238E27FC236}">
-                <a16:creationId xmlns:a16="http://schemas.microsoft.com/office/drawing/2014/main" id="{61456B32-5C65-4C83-AD5C-7548A23D1256}"/>
+                <a16:creationId xmlns:a16="http://schemas.microsoft.com/office/drawing/2014/main" id="{67FB703F-A8D7-4486-96A7-749CDB86542F}"/>
               </a:ext>
             </a:extLst>
           </p:cNvPr>
@@ -9856,15 +10041,15 @@
         </p:blipFill>
         <p:spPr>
           <a:xfrm>
-            <a:off x="1496539" y="1690687"/>
-            <a:ext cx="8036927" cy="4977271"/>
+            <a:off x="715445" y="1553944"/>
+            <a:ext cx="9329553" cy="4753723"/>
           </a:xfrm>
         </p:spPr>
       </p:pic>
     </p:spTree>
     <p:extLst>
       <p:ext uri="{BB962C8B-B14F-4D97-AF65-F5344CB8AC3E}">
-        <p14:creationId xmlns:p14="http://schemas.microsoft.com/office/powerpoint/2010/main" val="1436718234"/>
+        <p14:creationId xmlns:p14="http://schemas.microsoft.com/office/powerpoint/2010/main" val="2163601029"/>
       </p:ext>
     </p:extLst>
   </p:cSld>
@@ -9907,12 +10092,7 @@
             <p:ph type="title"/>
           </p:nvPr>
         </p:nvSpPr>
-        <p:spPr>
-          <a:xfrm>
-            <a:off x="838200" y="130272"/>
-            <a:ext cx="10515600" cy="1325563"/>
-          </a:xfrm>
-        </p:spPr>
+        <p:spPr/>
         <p:txBody>
           <a:bodyPr/>
           <a:lstStyle/>
@@ -9929,7 +10109,7 @@
           <p:cNvPr id="7" name="Content Placeholder 6">
             <a:extLst>
               <a:ext uri="{FF2B5EF4-FFF2-40B4-BE49-F238E27FC236}">
-                <a16:creationId xmlns:a16="http://schemas.microsoft.com/office/drawing/2014/main" id="{35A8AB79-CED2-42A2-9ED9-7DC7BEDA10EB}"/>
+                <a16:creationId xmlns:a16="http://schemas.microsoft.com/office/drawing/2014/main" id="{61456B32-5C65-4C83-AD5C-7548A23D1256}"/>
               </a:ext>
             </a:extLst>
           </p:cNvPr>
@@ -9954,15 +10134,15 @@
         </p:blipFill>
         <p:spPr>
           <a:xfrm>
-            <a:off x="1767686" y="1088980"/>
-            <a:ext cx="8036714" cy="5678484"/>
+            <a:off x="1496539" y="1690687"/>
+            <a:ext cx="8036927" cy="4977271"/>
           </a:xfrm>
         </p:spPr>
       </p:pic>
     </p:spTree>
     <p:extLst>
       <p:ext uri="{BB962C8B-B14F-4D97-AF65-F5344CB8AC3E}">
-        <p14:creationId xmlns:p14="http://schemas.microsoft.com/office/powerpoint/2010/main" val="3246593474"/>
+        <p14:creationId xmlns:p14="http://schemas.microsoft.com/office/powerpoint/2010/main" val="1436718234"/>
       </p:ext>
     </p:extLst>
   </p:cSld>
@@ -10005,7 +10185,12 @@
             <p:ph type="title"/>
           </p:nvPr>
         </p:nvSpPr>
-        <p:spPr/>
+        <p:spPr>
+          <a:xfrm>
+            <a:off x="838200" y="130272"/>
+            <a:ext cx="10515600" cy="1325563"/>
+          </a:xfrm>
+        </p:spPr>
         <p:txBody>
           <a:bodyPr/>
           <a:lstStyle/>
@@ -10022,7 +10207,7 @@
           <p:cNvPr id="7" name="Content Placeholder 6">
             <a:extLst>
               <a:ext uri="{FF2B5EF4-FFF2-40B4-BE49-F238E27FC236}">
-                <a16:creationId xmlns:a16="http://schemas.microsoft.com/office/drawing/2014/main" id="{4991E9E9-244A-4D3D-9D2C-2B748053DF8E}"/>
+                <a16:creationId xmlns:a16="http://schemas.microsoft.com/office/drawing/2014/main" id="{35A8AB79-CED2-42A2-9ED9-7DC7BEDA10EB}"/>
               </a:ext>
             </a:extLst>
           </p:cNvPr>
@@ -10047,15 +10232,15 @@
         </p:blipFill>
         <p:spPr>
           <a:xfrm>
-            <a:off x="930756" y="1718733"/>
-            <a:ext cx="9537420" cy="4849707"/>
+            <a:off x="1767686" y="1088980"/>
+            <a:ext cx="8036714" cy="5678484"/>
           </a:xfrm>
         </p:spPr>
       </p:pic>
     </p:spTree>
     <p:extLst>
       <p:ext uri="{BB962C8B-B14F-4D97-AF65-F5344CB8AC3E}">
-        <p14:creationId xmlns:p14="http://schemas.microsoft.com/office/powerpoint/2010/main" val="3311642379"/>
+        <p14:creationId xmlns:p14="http://schemas.microsoft.com/office/powerpoint/2010/main" val="3246593474"/>
       </p:ext>
     </p:extLst>
   </p:cSld>
@@ -10115,7 +10300,7 @@
           <p:cNvPr id="7" name="Content Placeholder 6">
             <a:extLst>
               <a:ext uri="{FF2B5EF4-FFF2-40B4-BE49-F238E27FC236}">
-                <a16:creationId xmlns:a16="http://schemas.microsoft.com/office/drawing/2014/main" id="{46BBDB77-46C4-436E-A39C-D11DD117639D}"/>
+                <a16:creationId xmlns:a16="http://schemas.microsoft.com/office/drawing/2014/main" id="{4991E9E9-244A-4D3D-9D2C-2B748053DF8E}"/>
               </a:ext>
             </a:extLst>
           </p:cNvPr>
@@ -10140,15 +10325,15 @@
         </p:blipFill>
         <p:spPr>
           <a:xfrm>
-            <a:off x="1184756" y="1653715"/>
-            <a:ext cx="8975244" cy="5059293"/>
+            <a:off x="930756" y="1718733"/>
+            <a:ext cx="9537420" cy="4849707"/>
           </a:xfrm>
         </p:spPr>
       </p:pic>
     </p:spTree>
     <p:extLst>
       <p:ext uri="{BB962C8B-B14F-4D97-AF65-F5344CB8AC3E}">
-        <p14:creationId xmlns:p14="http://schemas.microsoft.com/office/powerpoint/2010/main" val="3651701538"/>
+        <p14:creationId xmlns:p14="http://schemas.microsoft.com/office/powerpoint/2010/main" val="3311642379"/>
       </p:ext>
     </p:extLst>
   </p:cSld>

--- a/Documentation/Blood Findr (SYSADD2 presentation).pptx
+++ b/Documentation/Blood Findr (SYSADD2 presentation).pptx
@@ -6,9 +6,9 @@
   </p:sldMasterIdLst>
   <p:sldIdLst>
     <p:sldId id="256" r:id="rId2"/>
-    <p:sldId id="282" r:id="rId3"/>
-    <p:sldId id="257" r:id="rId4"/>
-    <p:sldId id="259" r:id="rId5"/>
+    <p:sldId id="257" r:id="rId3"/>
+    <p:sldId id="259" r:id="rId4"/>
+    <p:sldId id="282" r:id="rId5"/>
     <p:sldId id="258" r:id="rId6"/>
     <p:sldId id="260" r:id="rId7"/>
     <p:sldId id="262" r:id="rId8"/>
@@ -17,19 +17,11 @@
     <p:sldId id="265" r:id="rId11"/>
     <p:sldId id="266" r:id="rId12"/>
     <p:sldId id="267" r:id="rId13"/>
-    <p:sldId id="268" r:id="rId14"/>
-    <p:sldId id="269" r:id="rId15"/>
-    <p:sldId id="270" r:id="rId16"/>
-    <p:sldId id="271" r:id="rId17"/>
-    <p:sldId id="276" r:id="rId18"/>
-    <p:sldId id="277" r:id="rId19"/>
-    <p:sldId id="279" r:id="rId20"/>
-    <p:sldId id="280" r:id="rId21"/>
-    <p:sldId id="278" r:id="rId22"/>
-    <p:sldId id="272" r:id="rId23"/>
-    <p:sldId id="273" r:id="rId24"/>
-    <p:sldId id="275" r:id="rId25"/>
-    <p:sldId id="281" r:id="rId26"/>
+    <p:sldId id="271" r:id="rId14"/>
+    <p:sldId id="278" r:id="rId15"/>
+    <p:sldId id="272" r:id="rId16"/>
+    <p:sldId id="273" r:id="rId17"/>
+    <p:sldId id="275" r:id="rId18"/>
   </p:sldIdLst>
   <p:sldSz cx="12192000" cy="6858000"/>
   <p:notesSz cx="6858000" cy="9144000"/>
@@ -410,7 +402,7 @@
           <a:p>
             <a:fld id="{D37EA96B-39E1-482F-84DF-13B0DA1B5D45}" type="datetimeFigureOut">
               <a:rPr lang="en-PH" smtClean="0"/>
-              <a:t>25/10/2018</a:t>
+              <a:t>31/10/2018</a:t>
             </a:fld>
             <a:endParaRPr lang="en-PH"/>
           </a:p>
@@ -824,7 +816,7 @@
           <a:p>
             <a:fld id="{D37EA96B-39E1-482F-84DF-13B0DA1B5D45}" type="datetimeFigureOut">
               <a:rPr lang="en-PH" smtClean="0"/>
-              <a:t>25/10/2018</a:t>
+              <a:t>31/10/2018</a:t>
             </a:fld>
             <a:endParaRPr lang="en-PH"/>
           </a:p>
@@ -1160,7 +1152,7 @@
           <a:p>
             <a:fld id="{D37EA96B-39E1-482F-84DF-13B0DA1B5D45}" type="datetimeFigureOut">
               <a:rPr lang="en-PH" smtClean="0"/>
-              <a:t>25/10/2018</a:t>
+              <a:t>31/10/2018</a:t>
             </a:fld>
             <a:endParaRPr lang="en-PH"/>
           </a:p>
@@ -1565,7 +1557,7 @@
           <a:p>
             <a:fld id="{D37EA96B-39E1-482F-84DF-13B0DA1B5D45}" type="datetimeFigureOut">
               <a:rPr lang="en-PH" smtClean="0"/>
-              <a:t>25/10/2018</a:t>
+              <a:t>31/10/2018</a:t>
             </a:fld>
             <a:endParaRPr lang="en-PH"/>
           </a:p>
@@ -2133,7 +2125,7 @@
           <a:p>
             <a:fld id="{D37EA96B-39E1-482F-84DF-13B0DA1B5D45}" type="datetimeFigureOut">
               <a:rPr lang="en-PH" smtClean="0"/>
-              <a:t>25/10/2018</a:t>
+              <a:t>31/10/2018</a:t>
             </a:fld>
             <a:endParaRPr lang="en-PH"/>
           </a:p>
@@ -2814,7 +2806,7 @@
           <a:p>
             <a:fld id="{D37EA96B-39E1-482F-84DF-13B0DA1B5D45}" type="datetimeFigureOut">
               <a:rPr lang="en-PH" smtClean="0"/>
-              <a:t>25/10/2018</a:t>
+              <a:t>31/10/2018</a:t>
             </a:fld>
             <a:endParaRPr lang="en-PH"/>
           </a:p>
@@ -3727,7 +3719,7 @@
           <a:p>
             <a:fld id="{D37EA96B-39E1-482F-84DF-13B0DA1B5D45}" type="datetimeFigureOut">
               <a:rPr lang="en-PH" smtClean="0"/>
-              <a:t>25/10/2018</a:t>
+              <a:t>31/10/2018</a:t>
             </a:fld>
             <a:endParaRPr lang="en-PH"/>
           </a:p>
@@ -4040,7 +4032,7 @@
           <a:p>
             <a:fld id="{D37EA96B-39E1-482F-84DF-13B0DA1B5D45}" type="datetimeFigureOut">
               <a:rPr lang="en-PH" smtClean="0"/>
-              <a:t>25/10/2018</a:t>
+              <a:t>31/10/2018</a:t>
             </a:fld>
             <a:endParaRPr lang="en-PH"/>
           </a:p>
@@ -4304,7 +4296,7 @@
           <a:p>
             <a:fld id="{D37EA96B-39E1-482F-84DF-13B0DA1B5D45}" type="datetimeFigureOut">
               <a:rPr lang="en-PH" smtClean="0"/>
-              <a:t>25/10/2018</a:t>
+              <a:t>31/10/2018</a:t>
             </a:fld>
             <a:endParaRPr lang="en-PH"/>
           </a:p>
@@ -4627,7 +4619,7 @@
           <a:p>
             <a:fld id="{D37EA96B-39E1-482F-84DF-13B0DA1B5D45}" type="datetimeFigureOut">
               <a:rPr lang="en-PH" smtClean="0"/>
-              <a:t>25/10/2018</a:t>
+              <a:t>31/10/2018</a:t>
             </a:fld>
             <a:endParaRPr lang="en-PH"/>
           </a:p>
@@ -5016,7 +5008,7 @@
           <a:p>
             <a:fld id="{D37EA96B-39E1-482F-84DF-13B0DA1B5D45}" type="datetimeFigureOut">
               <a:rPr lang="en-PH" smtClean="0"/>
-              <a:t>25/10/2018</a:t>
+              <a:t>31/10/2018</a:t>
             </a:fld>
             <a:endParaRPr lang="en-PH"/>
           </a:p>
@@ -5392,7 +5384,7 @@
           <a:p>
             <a:fld id="{D37EA96B-39E1-482F-84DF-13B0DA1B5D45}" type="datetimeFigureOut">
               <a:rPr lang="en-PH" smtClean="0"/>
-              <a:t>25/10/2018</a:t>
+              <a:t>31/10/2018</a:t>
             </a:fld>
             <a:endParaRPr lang="en-PH"/>
           </a:p>
@@ -5898,7 +5890,7 @@
           <a:p>
             <a:fld id="{D37EA96B-39E1-482F-84DF-13B0DA1B5D45}" type="datetimeFigureOut">
               <a:rPr lang="en-PH" smtClean="0"/>
-              <a:t>25/10/2018</a:t>
+              <a:t>31/10/2018</a:t>
             </a:fld>
             <a:endParaRPr lang="en-PH"/>
           </a:p>
@@ -6155,7 +6147,7 @@
           <a:p>
             <a:fld id="{D37EA96B-39E1-482F-84DF-13B0DA1B5D45}" type="datetimeFigureOut">
               <a:rPr lang="en-PH" smtClean="0"/>
-              <a:t>25/10/2018</a:t>
+              <a:t>31/10/2018</a:t>
             </a:fld>
             <a:endParaRPr lang="en-PH"/>
           </a:p>
@@ -6318,7 +6310,7 @@
           <a:p>
             <a:fld id="{D37EA96B-39E1-482F-84DF-13B0DA1B5D45}" type="datetimeFigureOut">
               <a:rPr lang="en-PH" smtClean="0"/>
-              <a:t>25/10/2018</a:t>
+              <a:t>31/10/2018</a:t>
             </a:fld>
             <a:endParaRPr lang="en-PH"/>
           </a:p>
@@ -6708,7 +6700,7 @@
           <a:p>
             <a:fld id="{D37EA96B-39E1-482F-84DF-13B0DA1B5D45}" type="datetimeFigureOut">
               <a:rPr lang="en-PH" smtClean="0"/>
-              <a:t>25/10/2018</a:t>
+              <a:t>31/10/2018</a:t>
             </a:fld>
             <a:endParaRPr lang="en-PH"/>
           </a:p>
@@ -7117,7 +7109,7 @@
           <a:p>
             <a:fld id="{D37EA96B-39E1-482F-84DF-13B0DA1B5D45}" type="datetimeFigureOut">
               <a:rPr lang="en-PH" smtClean="0"/>
-              <a:t>25/10/2018</a:t>
+              <a:t>31/10/2018</a:t>
             </a:fld>
             <a:endParaRPr lang="en-PH"/>
           </a:p>
@@ -7361,7 +7353,7 @@
           <a:p>
             <a:fld id="{D37EA96B-39E1-482F-84DF-13B0DA1B5D45}" type="datetimeFigureOut">
               <a:rPr lang="en-PH" smtClean="0"/>
-              <a:t>25/10/2018</a:t>
+              <a:t>31/10/2018</a:t>
             </a:fld>
             <a:endParaRPr lang="en-PH"/>
           </a:p>
@@ -8187,7 +8179,7 @@
           <p:cNvPr id="2" name="Title 1">
             <a:extLst>
               <a:ext uri="{FF2B5EF4-FFF2-40B4-BE49-F238E27FC236}">
-                <a16:creationId xmlns:a16="http://schemas.microsoft.com/office/drawing/2014/main" id="{6CA404E9-0319-4627-B057-86F3E67689BC}"/>
+                <a16:creationId xmlns:a16="http://schemas.microsoft.com/office/drawing/2014/main" id="{2E332502-3BB5-4EEB-A90C-DE207F52F361}"/>
               </a:ext>
             </a:extLst>
           </p:cNvPr>
@@ -8200,17 +8192,19 @@
         </p:nvSpPr>
         <p:spPr>
           <a:xfrm>
-            <a:off x="343596" y="414745"/>
-            <a:ext cx="2338645" cy="1503162"/>
-          </a:xfrm>
-        </p:spPr>
-        <p:txBody>
-          <a:bodyPr/>
+            <a:off x="287352" y="230588"/>
+            <a:ext cx="2382520" cy="2361123"/>
+          </a:xfrm>
+        </p:spPr>
+        <p:txBody>
+          <a:bodyPr>
+            <a:normAutofit/>
+          </a:bodyPr>
           <a:lstStyle/>
           <a:p>
             <a:r>
               <a:rPr lang="en-PH" dirty="0"/>
-              <a:t>Object </a:t>
+              <a:t>Activity </a:t>
             </a:r>
             <a:br>
               <a:rPr lang="en-PH" dirty="0"/>
@@ -8227,7 +8221,7 @@
           <p:cNvPr id="5" name="Content Placeholder 4">
             <a:extLst>
               <a:ext uri="{FF2B5EF4-FFF2-40B4-BE49-F238E27FC236}">
-                <a16:creationId xmlns:a16="http://schemas.microsoft.com/office/drawing/2014/main" id="{5E713B89-9A53-409D-B9CB-A17DB74F89FC}"/>
+                <a16:creationId xmlns:a16="http://schemas.microsoft.com/office/drawing/2014/main" id="{CC67F745-464B-4BFF-867B-AEFDE3F14E5B}"/>
               </a:ext>
             </a:extLst>
           </p:cNvPr>
@@ -8252,15 +8246,15 @@
         </p:blipFill>
         <p:spPr>
           <a:xfrm>
-            <a:off x="2682241" y="414745"/>
-            <a:ext cx="8718204" cy="6028510"/>
+            <a:off x="3007360" y="365125"/>
+            <a:ext cx="8707119" cy="5918814"/>
           </a:xfrm>
         </p:spPr>
       </p:pic>
     </p:spTree>
     <p:extLst>
       <p:ext uri="{BB962C8B-B14F-4D97-AF65-F5344CB8AC3E}">
-        <p14:creationId xmlns:p14="http://schemas.microsoft.com/office/powerpoint/2010/main" val="2249776953"/>
+        <p14:creationId xmlns:p14="http://schemas.microsoft.com/office/powerpoint/2010/main" val="1364230394"/>
       </p:ext>
     </p:extLst>
   </p:cSld>
@@ -8287,12 +8281,47 @@
           <a:chExt cx="0" cy="0"/>
         </a:xfrm>
       </p:grpSpPr>
+      <p:sp>
+        <p:nvSpPr>
+          <p:cNvPr id="2" name="Title 1">
+            <a:extLst>
+              <a:ext uri="{FF2B5EF4-FFF2-40B4-BE49-F238E27FC236}">
+                <a16:creationId xmlns:a16="http://schemas.microsoft.com/office/drawing/2014/main" id="{628102B7-24FD-49C4-996D-8C9AD8DF0752}"/>
+              </a:ext>
+            </a:extLst>
+          </p:cNvPr>
+          <p:cNvSpPr>
+            <a:spLocks noGrp="1"/>
+          </p:cNvSpPr>
+          <p:nvPr>
+            <p:ph type="title"/>
+          </p:nvPr>
+        </p:nvSpPr>
+        <p:spPr>
+          <a:xfrm>
+            <a:off x="146921" y="772278"/>
+            <a:ext cx="3063003" cy="1075572"/>
+          </a:xfrm>
+        </p:spPr>
+        <p:txBody>
+          <a:bodyPr>
+            <a:normAutofit fontScale="90000"/>
+          </a:bodyPr>
+          <a:lstStyle/>
+          <a:p>
+            <a:r>
+              <a:rPr lang="en-PH" dirty="0"/>
+              <a:t>Class Diagram:</a:t>
+            </a:r>
+          </a:p>
+        </p:txBody>
+      </p:sp>
       <p:pic>
         <p:nvPicPr>
           <p:cNvPr id="5" name="Content Placeholder 4">
             <a:extLst>
               <a:ext uri="{FF2B5EF4-FFF2-40B4-BE49-F238E27FC236}">
-                <a16:creationId xmlns:a16="http://schemas.microsoft.com/office/drawing/2014/main" id="{B5CFF526-76DF-4709-9806-574F0B7D1A57}"/>
+                <a16:creationId xmlns:a16="http://schemas.microsoft.com/office/drawing/2014/main" id="{D352ACE2-6B40-4A76-ABB0-C5A91A554312}"/>
               </a:ext>
             </a:extLst>
           </p:cNvPr>
@@ -8317,66 +8346,15 @@
         </p:blipFill>
         <p:spPr>
           <a:xfrm>
-            <a:off x="497839" y="171018"/>
-            <a:ext cx="11226607" cy="6402501"/>
+            <a:off x="3552824" y="192035"/>
+            <a:ext cx="7600951" cy="6473930"/>
           </a:xfrm>
         </p:spPr>
       </p:pic>
-      <p:sp>
-        <p:nvSpPr>
-          <p:cNvPr id="9" name="TextBox 8">
-            <a:extLst>
-              <a:ext uri="{FF2B5EF4-FFF2-40B4-BE49-F238E27FC236}">
-                <a16:creationId xmlns:a16="http://schemas.microsoft.com/office/drawing/2014/main" id="{8E503FA6-F333-4BCB-BBAB-990E0CFD7D4E}"/>
-              </a:ext>
-            </a:extLst>
-          </p:cNvPr>
-          <p:cNvSpPr txBox="1"/>
-          <p:nvPr/>
-        </p:nvSpPr>
-        <p:spPr>
-          <a:xfrm>
-            <a:off x="707011" y="4204355"/>
-            <a:ext cx="3421930" cy="1446550"/>
-          </a:xfrm>
-          <a:prstGeom prst="rect">
-            <a:avLst/>
-          </a:prstGeom>
-          <a:noFill/>
-        </p:spPr>
-        <p:txBody>
-          <a:bodyPr wrap="square" rtlCol="0">
-            <a:spAutoFit/>
-          </a:bodyPr>
-          <a:lstStyle/>
-          <a:p>
-            <a:r>
-              <a:rPr lang="en-PH" sz="4400" dirty="0">
-                <a:solidFill>
-                  <a:schemeClr val="bg1"/>
-                </a:solidFill>
-                <a:latin typeface="+mj-lt"/>
-              </a:rPr>
-              <a:t>Data Flow</a:t>
-            </a:r>
-          </a:p>
-          <a:p>
-            <a:r>
-              <a:rPr lang="en-PH" sz="4400" dirty="0">
-                <a:solidFill>
-                  <a:schemeClr val="bg1"/>
-                </a:solidFill>
-                <a:latin typeface="+mj-lt"/>
-              </a:rPr>
-              <a:t>Diagram:</a:t>
-            </a:r>
-          </a:p>
-        </p:txBody>
-      </p:sp>
     </p:spTree>
     <p:extLst>
       <p:ext uri="{BB962C8B-B14F-4D97-AF65-F5344CB8AC3E}">
-        <p14:creationId xmlns:p14="http://schemas.microsoft.com/office/powerpoint/2010/main" val="3814838687"/>
+        <p14:creationId xmlns:p14="http://schemas.microsoft.com/office/powerpoint/2010/main" val="4176302167"/>
       </p:ext>
     </p:extLst>
   </p:cSld>
@@ -8403,801 +8381,6 @@
           <a:chExt cx="0" cy="0"/>
         </a:xfrm>
       </p:grpSpPr>
-      <p:pic>
-        <p:nvPicPr>
-          <p:cNvPr id="7" name="Content Placeholder 6">
-            <a:extLst>
-              <a:ext uri="{FF2B5EF4-FFF2-40B4-BE49-F238E27FC236}">
-                <a16:creationId xmlns:a16="http://schemas.microsoft.com/office/drawing/2014/main" id="{D54D25B5-87D9-4D2B-B3AB-2FAA50F02E93}"/>
-              </a:ext>
-            </a:extLst>
-          </p:cNvPr>
-          <p:cNvPicPr>
-            <a:picLocks noGrp="1" noChangeAspect="1"/>
-          </p:cNvPicPr>
-          <p:nvPr>
-            <p:ph idx="1"/>
-          </p:nvPr>
-        </p:nvPicPr>
-        <p:blipFill>
-          <a:blip r:embed="rId2">
-            <a:extLst>
-              <a:ext uri="{28A0092B-C50C-407E-A947-70E740481C1C}">
-                <a14:useLocalDpi xmlns:a14="http://schemas.microsoft.com/office/drawing/2010/main" val="0"/>
-              </a:ext>
-            </a:extLst>
-          </a:blip>
-          <a:stretch>
-            <a:fillRect/>
-          </a:stretch>
-        </p:blipFill>
-        <p:spPr>
-          <a:xfrm>
-            <a:off x="2682240" y="406400"/>
-            <a:ext cx="9053082" cy="5918654"/>
-          </a:xfrm>
-        </p:spPr>
-      </p:pic>
-      <p:sp>
-        <p:nvSpPr>
-          <p:cNvPr id="8" name="Rectangle 7">
-            <a:extLst>
-              <a:ext uri="{FF2B5EF4-FFF2-40B4-BE49-F238E27FC236}">
-                <a16:creationId xmlns:a16="http://schemas.microsoft.com/office/drawing/2014/main" id="{DB63BDFB-C3F2-45C7-B045-F74E27DA7E70}"/>
-              </a:ext>
-            </a:extLst>
-          </p:cNvPr>
-          <p:cNvSpPr/>
-          <p:nvPr/>
-        </p:nvSpPr>
-        <p:spPr>
-          <a:xfrm>
-            <a:off x="193040" y="589689"/>
-            <a:ext cx="2489200" cy="2123658"/>
-          </a:xfrm>
-          <a:prstGeom prst="rect">
-            <a:avLst/>
-          </a:prstGeom>
-        </p:spPr>
-        <p:txBody>
-          <a:bodyPr wrap="square">
-            <a:spAutoFit/>
-          </a:bodyPr>
-          <a:lstStyle/>
-          <a:p>
-            <a:r>
-              <a:rPr lang="en-PH" sz="4400" dirty="0">
-                <a:latin typeface="+mj-lt"/>
-              </a:rPr>
-              <a:t>Context Flow</a:t>
-            </a:r>
-          </a:p>
-          <a:p>
-            <a:r>
-              <a:rPr lang="en-PH" sz="4400" dirty="0">
-                <a:latin typeface="+mj-lt"/>
-              </a:rPr>
-              <a:t>Diagram:</a:t>
-            </a:r>
-          </a:p>
-        </p:txBody>
-      </p:sp>
-    </p:spTree>
-    <p:extLst>
-      <p:ext uri="{BB962C8B-B14F-4D97-AF65-F5344CB8AC3E}">
-        <p14:creationId xmlns:p14="http://schemas.microsoft.com/office/powerpoint/2010/main" val="3664726507"/>
-      </p:ext>
-    </p:extLst>
-  </p:cSld>
-  <p:clrMapOvr>
-    <a:masterClrMapping/>
-  </p:clrMapOvr>
-</p:sld>
-</file>
-
-<file path=ppt/slides/slide16.xml><?xml version="1.0" encoding="utf-8"?>
-<p:sld xmlns:a="http://schemas.openxmlformats.org/drawingml/2006/main" xmlns:r="http://schemas.openxmlformats.org/officeDocument/2006/relationships" xmlns:p="http://schemas.openxmlformats.org/presentationml/2006/main">
-  <p:cSld>
-    <p:spTree>
-      <p:nvGrpSpPr>
-        <p:cNvPr id="1" name=""/>
-        <p:cNvGrpSpPr/>
-        <p:nvPr/>
-      </p:nvGrpSpPr>
-      <p:grpSpPr>
-        <a:xfrm>
-          <a:off x="0" y="0"/>
-          <a:ext cx="0" cy="0"/>
-          <a:chOff x="0" y="0"/>
-          <a:chExt cx="0" cy="0"/>
-        </a:xfrm>
-      </p:grpSpPr>
-      <p:sp>
-        <p:nvSpPr>
-          <p:cNvPr id="2" name="Title 1">
-            <a:extLst>
-              <a:ext uri="{FF2B5EF4-FFF2-40B4-BE49-F238E27FC236}">
-                <a16:creationId xmlns:a16="http://schemas.microsoft.com/office/drawing/2014/main" id="{2E332502-3BB5-4EEB-A90C-DE207F52F361}"/>
-              </a:ext>
-            </a:extLst>
-          </p:cNvPr>
-          <p:cNvSpPr>
-            <a:spLocks noGrp="1"/>
-          </p:cNvSpPr>
-          <p:nvPr>
-            <p:ph type="title"/>
-          </p:nvPr>
-        </p:nvSpPr>
-        <p:spPr>
-          <a:xfrm>
-            <a:off x="287352" y="230588"/>
-            <a:ext cx="2382520" cy="2361123"/>
-          </a:xfrm>
-        </p:spPr>
-        <p:txBody>
-          <a:bodyPr>
-            <a:normAutofit/>
-          </a:bodyPr>
-          <a:lstStyle/>
-          <a:p>
-            <a:r>
-              <a:rPr lang="en-PH" dirty="0"/>
-              <a:t>Activity </a:t>
-            </a:r>
-            <a:br>
-              <a:rPr lang="en-PH" dirty="0"/>
-            </a:br>
-            <a:r>
-              <a:rPr lang="en-PH" dirty="0"/>
-              <a:t>Diagram:</a:t>
-            </a:r>
-          </a:p>
-        </p:txBody>
-      </p:sp>
-      <p:pic>
-        <p:nvPicPr>
-          <p:cNvPr id="5" name="Content Placeholder 4">
-            <a:extLst>
-              <a:ext uri="{FF2B5EF4-FFF2-40B4-BE49-F238E27FC236}">
-                <a16:creationId xmlns:a16="http://schemas.microsoft.com/office/drawing/2014/main" id="{CC67F745-464B-4BFF-867B-AEFDE3F14E5B}"/>
-              </a:ext>
-            </a:extLst>
-          </p:cNvPr>
-          <p:cNvPicPr>
-            <a:picLocks noGrp="1" noChangeAspect="1"/>
-          </p:cNvPicPr>
-          <p:nvPr>
-            <p:ph idx="1"/>
-          </p:nvPr>
-        </p:nvPicPr>
-        <p:blipFill>
-          <a:blip r:embed="rId2">
-            <a:extLst>
-              <a:ext uri="{28A0092B-C50C-407E-A947-70E740481C1C}">
-                <a14:useLocalDpi xmlns:a14="http://schemas.microsoft.com/office/drawing/2010/main" val="0"/>
-              </a:ext>
-            </a:extLst>
-          </a:blip>
-          <a:stretch>
-            <a:fillRect/>
-          </a:stretch>
-        </p:blipFill>
-        <p:spPr>
-          <a:xfrm>
-            <a:off x="3007360" y="365125"/>
-            <a:ext cx="8707119" cy="5918814"/>
-          </a:xfrm>
-        </p:spPr>
-      </p:pic>
-    </p:spTree>
-    <p:extLst>
-      <p:ext uri="{BB962C8B-B14F-4D97-AF65-F5344CB8AC3E}">
-        <p14:creationId xmlns:p14="http://schemas.microsoft.com/office/powerpoint/2010/main" val="1364230394"/>
-      </p:ext>
-    </p:extLst>
-  </p:cSld>
-  <p:clrMapOvr>
-    <a:masterClrMapping/>
-  </p:clrMapOvr>
-</p:sld>
-</file>
-
-<file path=ppt/slides/slide17.xml><?xml version="1.0" encoding="utf-8"?>
-<p:sld xmlns:a="http://schemas.openxmlformats.org/drawingml/2006/main" xmlns:r="http://schemas.openxmlformats.org/officeDocument/2006/relationships" xmlns:p="http://schemas.openxmlformats.org/presentationml/2006/main">
-  <p:cSld>
-    <p:spTree>
-      <p:nvGrpSpPr>
-        <p:cNvPr id="1" name=""/>
-        <p:cNvGrpSpPr/>
-        <p:nvPr/>
-      </p:nvGrpSpPr>
-      <p:grpSpPr>
-        <a:xfrm>
-          <a:off x="0" y="0"/>
-          <a:ext cx="0" cy="0"/>
-          <a:chOff x="0" y="0"/>
-          <a:chExt cx="0" cy="0"/>
-        </a:xfrm>
-      </p:grpSpPr>
-      <p:sp>
-        <p:nvSpPr>
-          <p:cNvPr id="2" name="Title 1">
-            <a:extLst>
-              <a:ext uri="{FF2B5EF4-FFF2-40B4-BE49-F238E27FC236}">
-                <a16:creationId xmlns:a16="http://schemas.microsoft.com/office/drawing/2014/main" id="{479E2D59-9636-4395-9E40-C3CF6263C442}"/>
-              </a:ext>
-            </a:extLst>
-          </p:cNvPr>
-          <p:cNvSpPr>
-            <a:spLocks noGrp="1"/>
-          </p:cNvSpPr>
-          <p:nvPr>
-            <p:ph type="title"/>
-          </p:nvPr>
-        </p:nvSpPr>
-        <p:spPr>
-          <a:xfrm>
-            <a:off x="279400" y="569282"/>
-            <a:ext cx="7196667" cy="523875"/>
-          </a:xfrm>
-        </p:spPr>
-        <p:txBody>
-          <a:bodyPr>
-            <a:normAutofit fontScale="90000"/>
-          </a:bodyPr>
-          <a:lstStyle/>
-          <a:p>
-            <a:r>
-              <a:rPr lang="en-PH" dirty="0"/>
-              <a:t>Entity Relationship Diagram:</a:t>
-            </a:r>
-          </a:p>
-        </p:txBody>
-      </p:sp>
-      <p:pic>
-        <p:nvPicPr>
-          <p:cNvPr id="5" name="Content Placeholder 4">
-            <a:extLst>
-              <a:ext uri="{FF2B5EF4-FFF2-40B4-BE49-F238E27FC236}">
-                <a16:creationId xmlns:a16="http://schemas.microsoft.com/office/drawing/2014/main" id="{67C5AF48-993F-4FF6-8CC6-B832BA86C478}"/>
-              </a:ext>
-            </a:extLst>
-          </p:cNvPr>
-          <p:cNvPicPr>
-            <a:picLocks noGrp="1" noChangeAspect="1"/>
-          </p:cNvPicPr>
-          <p:nvPr>
-            <p:ph idx="1"/>
-          </p:nvPr>
-        </p:nvPicPr>
-        <p:blipFill>
-          <a:blip r:embed="rId2">
-            <a:extLst>
-              <a:ext uri="{28A0092B-C50C-407E-A947-70E740481C1C}">
-                <a14:useLocalDpi xmlns:a14="http://schemas.microsoft.com/office/drawing/2010/main" val="0"/>
-              </a:ext>
-            </a:extLst>
-          </a:blip>
-          <a:stretch>
-            <a:fillRect/>
-          </a:stretch>
-        </p:blipFill>
-        <p:spPr>
-          <a:xfrm>
-            <a:off x="279400" y="1162965"/>
-            <a:ext cx="10710333" cy="5265661"/>
-          </a:xfrm>
-        </p:spPr>
-      </p:pic>
-    </p:spTree>
-    <p:extLst>
-      <p:ext uri="{BB962C8B-B14F-4D97-AF65-F5344CB8AC3E}">
-        <p14:creationId xmlns:p14="http://schemas.microsoft.com/office/powerpoint/2010/main" val="1553646974"/>
-      </p:ext>
-    </p:extLst>
-  </p:cSld>
-  <p:clrMapOvr>
-    <a:masterClrMapping/>
-  </p:clrMapOvr>
-</p:sld>
-</file>
-
-<file path=ppt/slides/slide18.xml><?xml version="1.0" encoding="utf-8"?>
-<p:sld xmlns:a="http://schemas.openxmlformats.org/drawingml/2006/main" xmlns:r="http://schemas.openxmlformats.org/officeDocument/2006/relationships" xmlns:p="http://schemas.openxmlformats.org/presentationml/2006/main">
-  <p:cSld>
-    <p:spTree>
-      <p:nvGrpSpPr>
-        <p:cNvPr id="1" name=""/>
-        <p:cNvGrpSpPr/>
-        <p:nvPr/>
-      </p:nvGrpSpPr>
-      <p:grpSpPr>
-        <a:xfrm>
-          <a:off x="0" y="0"/>
-          <a:ext cx="0" cy="0"/>
-          <a:chOff x="0" y="0"/>
-          <a:chExt cx="0" cy="0"/>
-        </a:xfrm>
-      </p:grpSpPr>
-      <p:sp>
-        <p:nvSpPr>
-          <p:cNvPr id="2" name="Title 1">
-            <a:extLst>
-              <a:ext uri="{FF2B5EF4-FFF2-40B4-BE49-F238E27FC236}">
-                <a16:creationId xmlns:a16="http://schemas.microsoft.com/office/drawing/2014/main" id="{EF1DFA29-92D4-46D3-9F9B-6FC6A8635942}"/>
-              </a:ext>
-            </a:extLst>
-          </p:cNvPr>
-          <p:cNvSpPr>
-            <a:spLocks noGrp="1"/>
-          </p:cNvSpPr>
-          <p:nvPr>
-            <p:ph type="title"/>
-          </p:nvPr>
-        </p:nvSpPr>
-        <p:spPr>
-          <a:xfrm>
-            <a:off x="299321" y="0"/>
-            <a:ext cx="4386979" cy="806758"/>
-          </a:xfrm>
-        </p:spPr>
-        <p:txBody>
-          <a:bodyPr>
-            <a:normAutofit/>
-          </a:bodyPr>
-          <a:lstStyle/>
-          <a:p>
-            <a:r>
-              <a:rPr lang="en-PH" sz="4400" dirty="0"/>
-              <a:t>Data Dictionary:</a:t>
-            </a:r>
-          </a:p>
-        </p:txBody>
-      </p:sp>
-      <p:pic>
-        <p:nvPicPr>
-          <p:cNvPr id="5" name="Content Placeholder 4">
-            <a:extLst>
-              <a:ext uri="{FF2B5EF4-FFF2-40B4-BE49-F238E27FC236}">
-                <a16:creationId xmlns:a16="http://schemas.microsoft.com/office/drawing/2014/main" id="{12702142-15DD-40F5-9CF5-A8777B76B7F1}"/>
-              </a:ext>
-            </a:extLst>
-          </p:cNvPr>
-          <p:cNvPicPr>
-            <a:picLocks noGrp="1" noChangeAspect="1"/>
-          </p:cNvPicPr>
-          <p:nvPr>
-            <p:ph idx="1"/>
-          </p:nvPr>
-        </p:nvPicPr>
-        <p:blipFill>
-          <a:blip r:embed="rId2">
-            <a:extLst>
-              <a:ext uri="{28A0092B-C50C-407E-A947-70E740481C1C}">
-                <a14:useLocalDpi xmlns:a14="http://schemas.microsoft.com/office/drawing/2010/main" val="0"/>
-              </a:ext>
-            </a:extLst>
-          </a:blip>
-          <a:stretch>
-            <a:fillRect/>
-          </a:stretch>
-        </p:blipFill>
-        <p:spPr>
-          <a:xfrm>
-            <a:off x="1416058" y="806758"/>
-            <a:ext cx="9678662" cy="5895106"/>
-          </a:xfrm>
-        </p:spPr>
-      </p:pic>
-    </p:spTree>
-    <p:extLst>
-      <p:ext uri="{BB962C8B-B14F-4D97-AF65-F5344CB8AC3E}">
-        <p14:creationId xmlns:p14="http://schemas.microsoft.com/office/powerpoint/2010/main" val="1811653618"/>
-      </p:ext>
-    </p:extLst>
-  </p:cSld>
-  <p:clrMapOvr>
-    <a:masterClrMapping/>
-  </p:clrMapOvr>
-</p:sld>
-</file>
-
-<file path=ppt/slides/slide19.xml><?xml version="1.0" encoding="utf-8"?>
-<p:sld xmlns:a="http://schemas.openxmlformats.org/drawingml/2006/main" xmlns:r="http://schemas.openxmlformats.org/officeDocument/2006/relationships" xmlns:p="http://schemas.openxmlformats.org/presentationml/2006/main">
-  <p:cSld>
-    <p:spTree>
-      <p:nvGrpSpPr>
-        <p:cNvPr id="1" name=""/>
-        <p:cNvGrpSpPr/>
-        <p:nvPr/>
-      </p:nvGrpSpPr>
-      <p:grpSpPr>
-        <a:xfrm>
-          <a:off x="0" y="0"/>
-          <a:ext cx="0" cy="0"/>
-          <a:chOff x="0" y="0"/>
-          <a:chExt cx="0" cy="0"/>
-        </a:xfrm>
-      </p:grpSpPr>
-      <p:sp>
-        <p:nvSpPr>
-          <p:cNvPr id="2" name="Title 1">
-            <a:extLst>
-              <a:ext uri="{FF2B5EF4-FFF2-40B4-BE49-F238E27FC236}">
-                <a16:creationId xmlns:a16="http://schemas.microsoft.com/office/drawing/2014/main" id="{EF1DFA29-92D4-46D3-9F9B-6FC6A8635942}"/>
-              </a:ext>
-            </a:extLst>
-          </p:cNvPr>
-          <p:cNvSpPr>
-            <a:spLocks noGrp="1"/>
-          </p:cNvSpPr>
-          <p:nvPr>
-            <p:ph type="title"/>
-          </p:nvPr>
-        </p:nvSpPr>
-        <p:spPr>
-          <a:xfrm>
-            <a:off x="289796" y="0"/>
-            <a:ext cx="5187079" cy="866022"/>
-          </a:xfrm>
-        </p:spPr>
-        <p:txBody>
-          <a:bodyPr/>
-          <a:lstStyle/>
-          <a:p>
-            <a:r>
-              <a:rPr lang="en-PH" dirty="0"/>
-              <a:t>Data Dictionary (cont.):</a:t>
-            </a:r>
-          </a:p>
-        </p:txBody>
-      </p:sp>
-      <p:pic>
-        <p:nvPicPr>
-          <p:cNvPr id="7" name="Content Placeholder 6">
-            <a:extLst>
-              <a:ext uri="{FF2B5EF4-FFF2-40B4-BE49-F238E27FC236}">
-                <a16:creationId xmlns:a16="http://schemas.microsoft.com/office/drawing/2014/main" id="{39F0A09D-6440-44D4-A499-CF9797570E58}"/>
-              </a:ext>
-            </a:extLst>
-          </p:cNvPr>
-          <p:cNvPicPr>
-            <a:picLocks noGrp="1" noChangeAspect="1"/>
-          </p:cNvPicPr>
-          <p:nvPr>
-            <p:ph idx="1"/>
-          </p:nvPr>
-        </p:nvPicPr>
-        <p:blipFill>
-          <a:blip r:embed="rId2">
-            <a:extLst>
-              <a:ext uri="{28A0092B-C50C-407E-A947-70E740481C1C}">
-                <a14:useLocalDpi xmlns:a14="http://schemas.microsoft.com/office/drawing/2010/main" val="0"/>
-              </a:ext>
-            </a:extLst>
-          </a:blip>
-          <a:stretch>
-            <a:fillRect/>
-          </a:stretch>
-        </p:blipFill>
-        <p:spPr>
-          <a:xfrm>
-            <a:off x="1397848" y="690880"/>
-            <a:ext cx="9564792" cy="6089016"/>
-          </a:xfrm>
-        </p:spPr>
-      </p:pic>
-    </p:spTree>
-    <p:extLst>
-      <p:ext uri="{BB962C8B-B14F-4D97-AF65-F5344CB8AC3E}">
-        <p14:creationId xmlns:p14="http://schemas.microsoft.com/office/powerpoint/2010/main" val="2810483346"/>
-      </p:ext>
-    </p:extLst>
-  </p:cSld>
-  <p:clrMapOvr>
-    <a:masterClrMapping/>
-  </p:clrMapOvr>
-</p:sld>
-</file>
-
-<file path=ppt/slides/slide2.xml><?xml version="1.0" encoding="utf-8"?>
-<p:sld xmlns:a="http://schemas.openxmlformats.org/drawingml/2006/main" xmlns:r="http://schemas.openxmlformats.org/officeDocument/2006/relationships" xmlns:p="http://schemas.openxmlformats.org/presentationml/2006/main">
-  <p:cSld>
-    <p:spTree>
-      <p:nvGrpSpPr>
-        <p:cNvPr id="1" name=""/>
-        <p:cNvGrpSpPr/>
-        <p:nvPr/>
-      </p:nvGrpSpPr>
-      <p:grpSpPr>
-        <a:xfrm>
-          <a:off x="0" y="0"/>
-          <a:ext cx="0" cy="0"/>
-          <a:chOff x="0" y="0"/>
-          <a:chExt cx="0" cy="0"/>
-        </a:xfrm>
-      </p:grpSpPr>
-      <p:sp>
-        <p:nvSpPr>
-          <p:cNvPr id="2" name="Title 1">
-            <a:extLst>
-              <a:ext uri="{FF2B5EF4-FFF2-40B4-BE49-F238E27FC236}">
-                <a16:creationId xmlns:a16="http://schemas.microsoft.com/office/drawing/2014/main" id="{E3BAA72D-DFEB-4818-BD94-80F1C169FACA}"/>
-              </a:ext>
-            </a:extLst>
-          </p:cNvPr>
-          <p:cNvSpPr>
-            <a:spLocks noGrp="1"/>
-          </p:cNvSpPr>
-          <p:nvPr>
-            <p:ph type="title"/>
-          </p:nvPr>
-        </p:nvSpPr>
-        <p:spPr/>
-        <p:txBody>
-          <a:bodyPr/>
-          <a:lstStyle/>
-          <a:p>
-            <a:r>
-              <a:rPr lang="en-PH" dirty="0"/>
-              <a:t>Introduction:</a:t>
-            </a:r>
-          </a:p>
-        </p:txBody>
-      </p:sp>
-      <p:sp>
-        <p:nvSpPr>
-          <p:cNvPr id="3" name="Content Placeholder 2">
-            <a:extLst>
-              <a:ext uri="{FF2B5EF4-FFF2-40B4-BE49-F238E27FC236}">
-                <a16:creationId xmlns:a16="http://schemas.microsoft.com/office/drawing/2014/main" id="{58A37E79-FAFE-4B53-82E5-5E07825B72B8}"/>
-              </a:ext>
-            </a:extLst>
-          </p:cNvPr>
-          <p:cNvSpPr>
-            <a:spLocks noGrp="1"/>
-          </p:cNvSpPr>
-          <p:nvPr>
-            <p:ph idx="1"/>
-          </p:nvPr>
-        </p:nvSpPr>
-        <p:spPr/>
-        <p:txBody>
-          <a:bodyPr/>
-          <a:lstStyle/>
-          <a:p>
-            <a:endParaRPr lang="en-PH"/>
-          </a:p>
-        </p:txBody>
-      </p:sp>
-    </p:spTree>
-    <p:extLst>
-      <p:ext uri="{BB962C8B-B14F-4D97-AF65-F5344CB8AC3E}">
-        <p14:creationId xmlns:p14="http://schemas.microsoft.com/office/powerpoint/2010/main" val="3140537140"/>
-      </p:ext>
-    </p:extLst>
-  </p:cSld>
-  <p:clrMapOvr>
-    <a:masterClrMapping/>
-  </p:clrMapOvr>
-</p:sld>
-</file>
-
-<file path=ppt/slides/slide20.xml><?xml version="1.0" encoding="utf-8"?>
-<p:sld xmlns:a="http://schemas.openxmlformats.org/drawingml/2006/main" xmlns:r="http://schemas.openxmlformats.org/officeDocument/2006/relationships" xmlns:p="http://schemas.openxmlformats.org/presentationml/2006/main">
-  <p:cSld>
-    <p:spTree>
-      <p:nvGrpSpPr>
-        <p:cNvPr id="1" name=""/>
-        <p:cNvGrpSpPr/>
-        <p:nvPr/>
-      </p:nvGrpSpPr>
-      <p:grpSpPr>
-        <a:xfrm>
-          <a:off x="0" y="0"/>
-          <a:ext cx="0" cy="0"/>
-          <a:chOff x="0" y="0"/>
-          <a:chExt cx="0" cy="0"/>
-        </a:xfrm>
-      </p:grpSpPr>
-      <p:sp>
-        <p:nvSpPr>
-          <p:cNvPr id="2" name="Title 1">
-            <a:extLst>
-              <a:ext uri="{FF2B5EF4-FFF2-40B4-BE49-F238E27FC236}">
-                <a16:creationId xmlns:a16="http://schemas.microsoft.com/office/drawing/2014/main" id="{EF1DFA29-92D4-46D3-9F9B-6FC6A8635942}"/>
-              </a:ext>
-            </a:extLst>
-          </p:cNvPr>
-          <p:cNvSpPr>
-            <a:spLocks noGrp="1"/>
-          </p:cNvSpPr>
-          <p:nvPr>
-            <p:ph type="title"/>
-          </p:nvPr>
-        </p:nvSpPr>
-        <p:spPr>
-          <a:xfrm>
-            <a:off x="289796" y="0"/>
-            <a:ext cx="5187079" cy="866022"/>
-          </a:xfrm>
-        </p:spPr>
-        <p:txBody>
-          <a:bodyPr/>
-          <a:lstStyle/>
-          <a:p>
-            <a:r>
-              <a:rPr lang="en-PH" dirty="0"/>
-              <a:t>Data Dictionary (cont.):</a:t>
-            </a:r>
-          </a:p>
-        </p:txBody>
-      </p:sp>
-      <p:pic>
-        <p:nvPicPr>
-          <p:cNvPr id="5" name="Content Placeholder 4">
-            <a:extLst>
-              <a:ext uri="{FF2B5EF4-FFF2-40B4-BE49-F238E27FC236}">
-                <a16:creationId xmlns:a16="http://schemas.microsoft.com/office/drawing/2014/main" id="{B2D57CD9-7BAD-48AD-977F-5FEDBD6F1764}"/>
-              </a:ext>
-            </a:extLst>
-          </p:cNvPr>
-          <p:cNvPicPr>
-            <a:picLocks noGrp="1" noChangeAspect="1"/>
-          </p:cNvPicPr>
-          <p:nvPr>
-            <p:ph idx="1"/>
-          </p:nvPr>
-        </p:nvPicPr>
-        <p:blipFill>
-          <a:blip r:embed="rId2">
-            <a:extLst>
-              <a:ext uri="{28A0092B-C50C-407E-A947-70E740481C1C}">
-                <a14:useLocalDpi xmlns:a14="http://schemas.microsoft.com/office/drawing/2010/main" val="0"/>
-              </a:ext>
-            </a:extLst>
-          </a:blip>
-          <a:stretch>
-            <a:fillRect/>
-          </a:stretch>
-        </p:blipFill>
-        <p:spPr>
-          <a:xfrm>
-            <a:off x="713874" y="970664"/>
-            <a:ext cx="10919326" cy="5479058"/>
-          </a:xfrm>
-        </p:spPr>
-      </p:pic>
-    </p:spTree>
-    <p:extLst>
-      <p:ext uri="{BB962C8B-B14F-4D97-AF65-F5344CB8AC3E}">
-        <p14:creationId xmlns:p14="http://schemas.microsoft.com/office/powerpoint/2010/main" val="3584870947"/>
-      </p:ext>
-    </p:extLst>
-  </p:cSld>
-  <p:clrMapOvr>
-    <a:masterClrMapping/>
-  </p:clrMapOvr>
-</p:sld>
-</file>
-
-<file path=ppt/slides/slide21.xml><?xml version="1.0" encoding="utf-8"?>
-<p:sld xmlns:a="http://schemas.openxmlformats.org/drawingml/2006/main" xmlns:r="http://schemas.openxmlformats.org/officeDocument/2006/relationships" xmlns:p="http://schemas.openxmlformats.org/presentationml/2006/main">
-  <p:cSld>
-    <p:spTree>
-      <p:nvGrpSpPr>
-        <p:cNvPr id="1" name=""/>
-        <p:cNvGrpSpPr/>
-        <p:nvPr/>
-      </p:nvGrpSpPr>
-      <p:grpSpPr>
-        <a:xfrm>
-          <a:off x="0" y="0"/>
-          <a:ext cx="0" cy="0"/>
-          <a:chOff x="0" y="0"/>
-          <a:chExt cx="0" cy="0"/>
-        </a:xfrm>
-      </p:grpSpPr>
-      <p:sp>
-        <p:nvSpPr>
-          <p:cNvPr id="2" name="Title 1">
-            <a:extLst>
-              <a:ext uri="{FF2B5EF4-FFF2-40B4-BE49-F238E27FC236}">
-                <a16:creationId xmlns:a16="http://schemas.microsoft.com/office/drawing/2014/main" id="{628102B7-24FD-49C4-996D-8C9AD8DF0752}"/>
-              </a:ext>
-            </a:extLst>
-          </p:cNvPr>
-          <p:cNvSpPr>
-            <a:spLocks noGrp="1"/>
-          </p:cNvSpPr>
-          <p:nvPr>
-            <p:ph type="title"/>
-          </p:nvPr>
-        </p:nvSpPr>
-        <p:spPr>
-          <a:xfrm>
-            <a:off x="146921" y="772278"/>
-            <a:ext cx="3063003" cy="1075572"/>
-          </a:xfrm>
-        </p:spPr>
-        <p:txBody>
-          <a:bodyPr>
-            <a:normAutofit fontScale="90000"/>
-          </a:bodyPr>
-          <a:lstStyle/>
-          <a:p>
-            <a:r>
-              <a:rPr lang="en-PH" dirty="0"/>
-              <a:t>Class Diagram:</a:t>
-            </a:r>
-          </a:p>
-        </p:txBody>
-      </p:sp>
-      <p:pic>
-        <p:nvPicPr>
-          <p:cNvPr id="5" name="Content Placeholder 4">
-            <a:extLst>
-              <a:ext uri="{FF2B5EF4-FFF2-40B4-BE49-F238E27FC236}">
-                <a16:creationId xmlns:a16="http://schemas.microsoft.com/office/drawing/2014/main" id="{D352ACE2-6B40-4A76-ABB0-C5A91A554312}"/>
-              </a:ext>
-            </a:extLst>
-          </p:cNvPr>
-          <p:cNvPicPr>
-            <a:picLocks noGrp="1" noChangeAspect="1"/>
-          </p:cNvPicPr>
-          <p:nvPr>
-            <p:ph idx="1"/>
-          </p:nvPr>
-        </p:nvPicPr>
-        <p:blipFill>
-          <a:blip r:embed="rId2">
-            <a:extLst>
-              <a:ext uri="{28A0092B-C50C-407E-A947-70E740481C1C}">
-                <a14:useLocalDpi xmlns:a14="http://schemas.microsoft.com/office/drawing/2010/main" val="0"/>
-              </a:ext>
-            </a:extLst>
-          </a:blip>
-          <a:stretch>
-            <a:fillRect/>
-          </a:stretch>
-        </p:blipFill>
-        <p:spPr>
-          <a:xfrm>
-            <a:off x="3552824" y="192035"/>
-            <a:ext cx="7600951" cy="6473930"/>
-          </a:xfrm>
-        </p:spPr>
-      </p:pic>
-    </p:spTree>
-    <p:extLst>
-      <p:ext uri="{BB962C8B-B14F-4D97-AF65-F5344CB8AC3E}">
-        <p14:creationId xmlns:p14="http://schemas.microsoft.com/office/powerpoint/2010/main" val="4176302167"/>
-      </p:ext>
-    </p:extLst>
-  </p:cSld>
-  <p:clrMapOvr>
-    <a:masterClrMapping/>
-  </p:clrMapOvr>
-</p:sld>
-</file>
-
-<file path=ppt/slides/slide22.xml><?xml version="1.0" encoding="utf-8"?>
-<p:sld xmlns:a="http://schemas.openxmlformats.org/drawingml/2006/main" xmlns:r="http://schemas.openxmlformats.org/officeDocument/2006/relationships" xmlns:p="http://schemas.openxmlformats.org/presentationml/2006/main">
-  <p:cSld>
-    <p:spTree>
-      <p:nvGrpSpPr>
-        <p:cNvPr id="1" name=""/>
-        <p:cNvGrpSpPr/>
-        <p:nvPr/>
-      </p:nvGrpSpPr>
-      <p:grpSpPr>
-        <a:xfrm>
-          <a:off x="0" y="0"/>
-          <a:ext cx="0" cy="0"/>
-          <a:chOff x="0" y="0"/>
-          <a:chExt cx="0" cy="0"/>
-        </a:xfrm>
-      </p:grpSpPr>
       <p:sp>
         <p:nvSpPr>
           <p:cNvPr id="2" name="Title 1">
@@ -9279,7 +8462,7 @@
 </p:sld>
 </file>
 
-<file path=ppt/slides/slide23.xml><?xml version="1.0" encoding="utf-8"?>
+<file path=ppt/slides/slide16.xml><?xml version="1.0" encoding="utf-8"?>
 <p:sld xmlns:a="http://schemas.openxmlformats.org/drawingml/2006/main" xmlns:r="http://schemas.openxmlformats.org/officeDocument/2006/relationships" xmlns:p="http://schemas.openxmlformats.org/presentationml/2006/main">
   <p:cSld>
     <p:spTree>
@@ -9415,7 +8598,7 @@
 </p:sld>
 </file>
 
-<file path=ppt/slides/slide24.xml><?xml version="1.0" encoding="utf-8"?>
+<file path=ppt/slides/slide17.xml><?xml version="1.0" encoding="utf-8"?>
 <p:sld xmlns:a="http://schemas.openxmlformats.org/drawingml/2006/main" xmlns:r="http://schemas.openxmlformats.org/officeDocument/2006/relationships" xmlns:p="http://schemas.openxmlformats.org/presentationml/2006/main">
   <p:cSld>
     <p:spTree>
@@ -9546,7 +8729,7 @@
 </p:sld>
 </file>
 
-<file path=ppt/slides/slide25.xml><?xml version="1.0" encoding="utf-8"?>
+<file path=ppt/slides/slide2.xml><?xml version="1.0" encoding="utf-8"?>
 <p:sld xmlns:a="http://schemas.openxmlformats.org/drawingml/2006/main" xmlns:r="http://schemas.openxmlformats.org/officeDocument/2006/relationships" xmlns:p="http://schemas.openxmlformats.org/presentationml/2006/main">
   <p:cSld>
     <p:spTree>
@@ -9568,89 +8751,6 @@
           <p:cNvPr id="2" name="Title 1">
             <a:extLst>
               <a:ext uri="{FF2B5EF4-FFF2-40B4-BE49-F238E27FC236}">
-                <a16:creationId xmlns:a16="http://schemas.microsoft.com/office/drawing/2014/main" id="{01D22563-1E26-4D2C-BA9A-E07D73640C46}"/>
-              </a:ext>
-            </a:extLst>
-          </p:cNvPr>
-          <p:cNvSpPr>
-            <a:spLocks noGrp="1"/>
-          </p:cNvSpPr>
-          <p:nvPr>
-            <p:ph type="title"/>
-          </p:nvPr>
-        </p:nvSpPr>
-        <p:spPr/>
-        <p:txBody>
-          <a:bodyPr/>
-          <a:lstStyle/>
-          <a:p>
-            <a:r>
-              <a:rPr lang="en-PH" dirty="0"/>
-              <a:t>Conclusion:</a:t>
-            </a:r>
-          </a:p>
-        </p:txBody>
-      </p:sp>
-      <p:sp>
-        <p:nvSpPr>
-          <p:cNvPr id="3" name="Content Placeholder 2">
-            <a:extLst>
-              <a:ext uri="{FF2B5EF4-FFF2-40B4-BE49-F238E27FC236}">
-                <a16:creationId xmlns:a16="http://schemas.microsoft.com/office/drawing/2014/main" id="{3C403C9D-DA67-4ED1-903E-077753499182}"/>
-              </a:ext>
-            </a:extLst>
-          </p:cNvPr>
-          <p:cNvSpPr>
-            <a:spLocks noGrp="1"/>
-          </p:cNvSpPr>
-          <p:nvPr>
-            <p:ph idx="1"/>
-          </p:nvPr>
-        </p:nvSpPr>
-        <p:spPr/>
-        <p:txBody>
-          <a:bodyPr/>
-          <a:lstStyle/>
-          <a:p>
-            <a:endParaRPr lang="en-PH"/>
-          </a:p>
-        </p:txBody>
-      </p:sp>
-    </p:spTree>
-    <p:extLst>
-      <p:ext uri="{BB962C8B-B14F-4D97-AF65-F5344CB8AC3E}">
-        <p14:creationId xmlns:p14="http://schemas.microsoft.com/office/powerpoint/2010/main" val="2625351559"/>
-      </p:ext>
-    </p:extLst>
-  </p:cSld>
-  <p:clrMapOvr>
-    <a:masterClrMapping/>
-  </p:clrMapOvr>
-</p:sld>
-</file>
-
-<file path=ppt/slides/slide3.xml><?xml version="1.0" encoding="utf-8"?>
-<p:sld xmlns:a="http://schemas.openxmlformats.org/drawingml/2006/main" xmlns:r="http://schemas.openxmlformats.org/officeDocument/2006/relationships" xmlns:p="http://schemas.openxmlformats.org/presentationml/2006/main">
-  <p:cSld>
-    <p:spTree>
-      <p:nvGrpSpPr>
-        <p:cNvPr id="1" name=""/>
-        <p:cNvGrpSpPr/>
-        <p:nvPr/>
-      </p:nvGrpSpPr>
-      <p:grpSpPr>
-        <a:xfrm>
-          <a:off x="0" y="0"/>
-          <a:ext cx="0" cy="0"/>
-          <a:chOff x="0" y="0"/>
-          <a:chExt cx="0" cy="0"/>
-        </a:xfrm>
-      </p:grpSpPr>
-      <p:sp>
-        <p:nvSpPr>
-          <p:cNvPr id="2" name="Title 1">
-            <a:extLst>
-              <a:ext uri="{FF2B5EF4-FFF2-40B4-BE49-F238E27FC236}">
                 <a16:creationId xmlns:a16="http://schemas.microsoft.com/office/drawing/2014/main" id="{0A763ACA-4B1C-4B2F-937E-9F5A2C2BE8AA}"/>
               </a:ext>
             </a:extLst>
@@ -9727,7 +8827,7 @@
 </p:sld>
 </file>
 
-<file path=ppt/slides/slide4.xml><?xml version="1.0" encoding="utf-8"?>
+<file path=ppt/slides/slide3.xml><?xml version="1.0" encoding="utf-8"?>
 <p:sld xmlns:a="http://schemas.openxmlformats.org/drawingml/2006/main" xmlns:r="http://schemas.openxmlformats.org/officeDocument/2006/relationships" xmlns:p="http://schemas.openxmlformats.org/presentationml/2006/main">
   <p:cSld>
     <p:spTree>
@@ -9852,6 +8952,111 @@
     <p:extLst>
       <p:ext uri="{BB962C8B-B14F-4D97-AF65-F5344CB8AC3E}">
         <p14:creationId xmlns:p14="http://schemas.microsoft.com/office/powerpoint/2010/main" val="3399217350"/>
+      </p:ext>
+    </p:extLst>
+  </p:cSld>
+  <p:clrMapOvr>
+    <a:masterClrMapping/>
+  </p:clrMapOvr>
+</p:sld>
+</file>
+
+<file path=ppt/slides/slide4.xml><?xml version="1.0" encoding="utf-8"?>
+<p:sld xmlns:a="http://schemas.openxmlformats.org/drawingml/2006/main" xmlns:r="http://schemas.openxmlformats.org/officeDocument/2006/relationships" xmlns:p="http://schemas.openxmlformats.org/presentationml/2006/main">
+  <p:cSld>
+    <p:spTree>
+      <p:nvGrpSpPr>
+        <p:cNvPr id="1" name=""/>
+        <p:cNvGrpSpPr/>
+        <p:nvPr/>
+      </p:nvGrpSpPr>
+      <p:grpSpPr>
+        <a:xfrm>
+          <a:off x="0" y="0"/>
+          <a:ext cx="0" cy="0"/>
+          <a:chOff x="0" y="0"/>
+          <a:chExt cx="0" cy="0"/>
+        </a:xfrm>
+      </p:grpSpPr>
+      <p:sp>
+        <p:nvSpPr>
+          <p:cNvPr id="2" name="Title 1">
+            <a:extLst>
+              <a:ext uri="{FF2B5EF4-FFF2-40B4-BE49-F238E27FC236}">
+                <a16:creationId xmlns:a16="http://schemas.microsoft.com/office/drawing/2014/main" id="{6CA404E9-0319-4627-B057-86F3E67689BC}"/>
+              </a:ext>
+            </a:extLst>
+          </p:cNvPr>
+          <p:cNvSpPr>
+            <a:spLocks noGrp="1"/>
+          </p:cNvSpPr>
+          <p:nvPr>
+            <p:ph type="title"/>
+          </p:nvPr>
+        </p:nvSpPr>
+        <p:spPr>
+          <a:xfrm>
+            <a:off x="343596" y="414745"/>
+            <a:ext cx="2338645" cy="1503162"/>
+          </a:xfrm>
+        </p:spPr>
+        <p:txBody>
+          <a:bodyPr/>
+          <a:lstStyle/>
+          <a:p>
+            <a:r>
+              <a:rPr lang="en-PH" dirty="0"/>
+              <a:t>Object </a:t>
+            </a:r>
+            <a:br>
+              <a:rPr lang="en-PH" dirty="0"/>
+            </a:br>
+            <a:r>
+              <a:rPr lang="en-PH" dirty="0"/>
+              <a:t>Diagram:</a:t>
+            </a:r>
+          </a:p>
+        </p:txBody>
+      </p:sp>
+      <p:pic>
+        <p:nvPicPr>
+          <p:cNvPr id="5" name="Content Placeholder 4">
+            <a:extLst>
+              <a:ext uri="{FF2B5EF4-FFF2-40B4-BE49-F238E27FC236}">
+                <a16:creationId xmlns:a16="http://schemas.microsoft.com/office/drawing/2014/main" id="{5E713B89-9A53-409D-B9CB-A17DB74F89FC}"/>
+              </a:ext>
+            </a:extLst>
+          </p:cNvPr>
+          <p:cNvPicPr>
+            <a:picLocks noGrp="1" noChangeAspect="1"/>
+          </p:cNvPicPr>
+          <p:nvPr>
+            <p:ph idx="1"/>
+          </p:nvPr>
+        </p:nvPicPr>
+        <p:blipFill>
+          <a:blip r:embed="rId2">
+            <a:extLst>
+              <a:ext uri="{28A0092B-C50C-407E-A947-70E740481C1C}">
+                <a14:useLocalDpi xmlns:a14="http://schemas.microsoft.com/office/drawing/2010/main" val="0"/>
+              </a:ext>
+            </a:extLst>
+          </a:blip>
+          <a:stretch>
+            <a:fillRect/>
+          </a:stretch>
+        </p:blipFill>
+        <p:spPr>
+          <a:xfrm>
+            <a:off x="2682241" y="414745"/>
+            <a:ext cx="8718204" cy="6028510"/>
+          </a:xfrm>
+        </p:spPr>
+      </p:pic>
+    </p:spTree>
+    <p:extLst>
+      <p:ext uri="{BB962C8B-B14F-4D97-AF65-F5344CB8AC3E}">
+        <p14:creationId xmlns:p14="http://schemas.microsoft.com/office/powerpoint/2010/main" val="962919863"/>
       </p:ext>
     </p:extLst>
   </p:cSld>
